--- a/Presentations/infovis intermediate presentation.pptx
+++ b/Presentations/infovis intermediate presentation.pptx
@@ -6,10 +6,10 @@
     <p:sldMasterId id="2147483694" r:id="rId2"/>
   </p:sldMasterIdLst>
   <p:notesMasterIdLst>
-    <p:notesMasterId r:id="rId21"/>
+    <p:notesMasterId r:id="rId23"/>
   </p:notesMasterIdLst>
   <p:handoutMasterIdLst>
-    <p:handoutMasterId r:id="rId22"/>
+    <p:handoutMasterId r:id="rId24"/>
   </p:handoutMasterIdLst>
   <p:sldIdLst>
     <p:sldId id="262" r:id="rId3"/>
@@ -17,19 +17,21 @@
     <p:sldId id="265" r:id="rId5"/>
     <p:sldId id="266" r:id="rId6"/>
     <p:sldId id="264" r:id="rId7"/>
-    <p:sldId id="273" r:id="rId8"/>
-    <p:sldId id="274" r:id="rId9"/>
-    <p:sldId id="267" r:id="rId10"/>
-    <p:sldId id="268" r:id="rId11"/>
-    <p:sldId id="277" r:id="rId12"/>
-    <p:sldId id="275" r:id="rId13"/>
-    <p:sldId id="276" r:id="rId14"/>
-    <p:sldId id="279" r:id="rId15"/>
-    <p:sldId id="278" r:id="rId16"/>
-    <p:sldId id="270" r:id="rId17"/>
-    <p:sldId id="269" r:id="rId18"/>
-    <p:sldId id="271" r:id="rId19"/>
-    <p:sldId id="272" r:id="rId20"/>
+    <p:sldId id="280" r:id="rId8"/>
+    <p:sldId id="281" r:id="rId9"/>
+    <p:sldId id="273" r:id="rId10"/>
+    <p:sldId id="274" r:id="rId11"/>
+    <p:sldId id="267" r:id="rId12"/>
+    <p:sldId id="268" r:id="rId13"/>
+    <p:sldId id="277" r:id="rId14"/>
+    <p:sldId id="275" r:id="rId15"/>
+    <p:sldId id="276" r:id="rId16"/>
+    <p:sldId id="279" r:id="rId17"/>
+    <p:sldId id="278" r:id="rId18"/>
+    <p:sldId id="270" r:id="rId19"/>
+    <p:sldId id="269" r:id="rId20"/>
+    <p:sldId id="271" r:id="rId21"/>
+    <p:sldId id="272" r:id="rId22"/>
   </p:sldIdLst>
   <p:sldSz cx="12192000" cy="6858000"/>
   <p:notesSz cx="6858000" cy="9144000"/>
@@ -651,6 +653,212 @@
     </a:lvl9pPr>
   </p:notesStyle>
 </p:notesMaster>
+</file>
+
+<file path=ppt/notesSlides/notesSlide1.xml><?xml version="1.0" encoding="utf-8"?>
+<p:notes xmlns:a="http://schemas.openxmlformats.org/drawingml/2006/main" xmlns:r="http://schemas.openxmlformats.org/officeDocument/2006/relationships" xmlns:p="http://schemas.openxmlformats.org/presentationml/2006/main">
+  <p:cSld>
+    <p:spTree>
+      <p:nvGrpSpPr>
+        <p:cNvPr id="1" name=""/>
+        <p:cNvGrpSpPr/>
+        <p:nvPr/>
+      </p:nvGrpSpPr>
+      <p:grpSpPr>
+        <a:xfrm>
+          <a:off x="0" y="0"/>
+          <a:ext cx="0" cy="0"/>
+          <a:chOff x="0" y="0"/>
+          <a:chExt cx="0" cy="0"/>
+        </a:xfrm>
+      </p:grpSpPr>
+      <p:sp>
+        <p:nvSpPr>
+          <p:cNvPr id="2" name="Tijdelijke aanduiding voor dia-afbeelding 1"/>
+          <p:cNvSpPr>
+            <a:spLocks noGrp="1" noRot="1" noChangeAspect="1"/>
+          </p:cNvSpPr>
+          <p:nvPr>
+            <p:ph type="sldImg"/>
+          </p:nvPr>
+        </p:nvSpPr>
+        <p:spPr/>
+      </p:sp>
+      <p:sp>
+        <p:nvSpPr>
+          <p:cNvPr id="3" name="Tijdelijke aanduiding voor notities 2"/>
+          <p:cNvSpPr>
+            <a:spLocks noGrp="1"/>
+          </p:cNvSpPr>
+          <p:nvPr>
+            <p:ph type="body" idx="1"/>
+          </p:nvPr>
+        </p:nvSpPr>
+        <p:spPr/>
+        <p:txBody>
+          <a:bodyPr/>
+          <a:lstStyle/>
+          <a:p>
+            <a:r>
+              <a:rPr lang="en-US" dirty="0"/>
+              <a:t>What is the problem that the visualization will try to explain or solve? </a:t>
+            </a:r>
+          </a:p>
+          <a:p>
+            <a:r>
+              <a:rPr lang="en-US" dirty="0"/>
+              <a:t>Why is this problem important? </a:t>
+            </a:r>
+          </a:p>
+          <a:p>
+            <a:r>
+              <a:rPr lang="en-US" dirty="0"/>
+              <a:t>Why is this problem complex?</a:t>
+            </a:r>
+          </a:p>
+          <a:p>
+            <a:endParaRPr lang="en-GB" dirty="0"/>
+          </a:p>
+        </p:txBody>
+      </p:sp>
+      <p:sp>
+        <p:nvSpPr>
+          <p:cNvPr id="4" name="Tijdelijke aanduiding voor dianummer 3"/>
+          <p:cNvSpPr>
+            <a:spLocks noGrp="1"/>
+          </p:cNvSpPr>
+          <p:nvPr>
+            <p:ph type="sldNum" sz="quarter" idx="10"/>
+          </p:nvPr>
+        </p:nvSpPr>
+        <p:spPr/>
+        <p:txBody>
+          <a:bodyPr/>
+          <a:lstStyle/>
+          <a:p>
+            <a:fld id="{8954E32A-327F-AF4B-8E1F-209FBF93D26D}" type="slidenum">
+              <a:rPr lang="nl-NL" smtClean="0"/>
+              <a:t>3</a:t>
+            </a:fld>
+            <a:endParaRPr lang="nl-NL"/>
+          </a:p>
+        </p:txBody>
+      </p:sp>
+    </p:spTree>
+    <p:extLst>
+      <p:ext uri="{BB962C8B-B14F-4D97-AF65-F5344CB8AC3E}">
+        <p14:creationId xmlns:p14="http://schemas.microsoft.com/office/powerpoint/2010/main" val="2538475790"/>
+      </p:ext>
+    </p:extLst>
+  </p:cSld>
+  <p:clrMapOvr>
+    <a:masterClrMapping/>
+  </p:clrMapOvr>
+</p:notes>
+</file>
+
+<file path=ppt/notesSlides/notesSlide2.xml><?xml version="1.0" encoding="utf-8"?>
+<p:notes xmlns:a="http://schemas.openxmlformats.org/drawingml/2006/main" xmlns:r="http://schemas.openxmlformats.org/officeDocument/2006/relationships" xmlns:p="http://schemas.openxmlformats.org/presentationml/2006/main">
+  <p:cSld>
+    <p:spTree>
+      <p:nvGrpSpPr>
+        <p:cNvPr id="1" name=""/>
+        <p:cNvGrpSpPr/>
+        <p:nvPr/>
+      </p:nvGrpSpPr>
+      <p:grpSpPr>
+        <a:xfrm>
+          <a:off x="0" y="0"/>
+          <a:ext cx="0" cy="0"/>
+          <a:chOff x="0" y="0"/>
+          <a:chExt cx="0" cy="0"/>
+        </a:xfrm>
+      </p:grpSpPr>
+      <p:sp>
+        <p:nvSpPr>
+          <p:cNvPr id="2" name="Tijdelijke aanduiding voor dia-afbeelding 1"/>
+          <p:cNvSpPr>
+            <a:spLocks noGrp="1" noRot="1" noChangeAspect="1"/>
+          </p:cNvSpPr>
+          <p:nvPr>
+            <p:ph type="sldImg"/>
+          </p:nvPr>
+        </p:nvSpPr>
+        <p:spPr/>
+      </p:sp>
+      <p:sp>
+        <p:nvSpPr>
+          <p:cNvPr id="3" name="Tijdelijke aanduiding voor notities 2"/>
+          <p:cNvSpPr>
+            <a:spLocks noGrp="1"/>
+          </p:cNvSpPr>
+          <p:nvPr>
+            <p:ph type="body" idx="1"/>
+          </p:nvPr>
+        </p:nvSpPr>
+        <p:spPr/>
+        <p:txBody>
+          <a:bodyPr/>
+          <a:lstStyle/>
+          <a:p>
+            <a:r>
+              <a:rPr lang="nl-BE" dirty="0" err="1"/>
+              <a:t>Better</a:t>
+            </a:r>
+            <a:r>
+              <a:rPr lang="nl-BE" dirty="0"/>
+              <a:t> data </a:t>
+            </a:r>
+            <a:r>
+              <a:rPr lang="nl-BE" dirty="0" err="1"/>
+              <a:t>for</a:t>
+            </a:r>
+            <a:r>
+              <a:rPr lang="nl-BE" dirty="0"/>
+              <a:t> </a:t>
+            </a:r>
+            <a:r>
+              <a:rPr lang="nl-BE" dirty="0" err="1"/>
+              <a:t>visualization</a:t>
+            </a:r>
+            <a:endParaRPr lang="en-GB" dirty="0"/>
+          </a:p>
+        </p:txBody>
+      </p:sp>
+      <p:sp>
+        <p:nvSpPr>
+          <p:cNvPr id="4" name="Tijdelijke aanduiding voor dianummer 3"/>
+          <p:cNvSpPr>
+            <a:spLocks noGrp="1"/>
+          </p:cNvSpPr>
+          <p:nvPr>
+            <p:ph type="sldNum" sz="quarter" idx="10"/>
+          </p:nvPr>
+        </p:nvSpPr>
+        <p:spPr/>
+        <p:txBody>
+          <a:bodyPr/>
+          <a:lstStyle/>
+          <a:p>
+            <a:fld id="{8954E32A-327F-AF4B-8E1F-209FBF93D26D}" type="slidenum">
+              <a:rPr lang="nl-NL" smtClean="0"/>
+              <a:t>6</a:t>
+            </a:fld>
+            <a:endParaRPr lang="nl-NL"/>
+          </a:p>
+        </p:txBody>
+      </p:sp>
+    </p:spTree>
+    <p:extLst>
+      <p:ext uri="{BB962C8B-B14F-4D97-AF65-F5344CB8AC3E}">
+        <p14:creationId xmlns:p14="http://schemas.microsoft.com/office/powerpoint/2010/main" val="2795077521"/>
+      </p:ext>
+    </p:extLst>
+  </p:cSld>
+  <p:clrMapOvr>
+    <a:masterClrMapping/>
+  </p:clrMapOvr>
+</p:notes>
 </file>
 
 <file path=ppt/slideLayouts/slideLayout1.xml><?xml version="1.0" encoding="utf-8"?>
@@ -5435,12 +5643,8 @@
               <a:rPr lang="en-US" dirty="0"/>
             </a:br>
             <a:r>
-              <a:rPr lang="en-US" sz="3200" i="1" dirty="0" err="1"/>
-              <a:t>Groep</a:t>
-            </a:r>
-            <a:r>
               <a:rPr lang="en-US" sz="3200" i="1" dirty="0"/>
-              <a:t> 1</a:t>
+              <a:t>Group 1</a:t>
             </a:r>
             <a:br>
               <a:rPr lang="en-US" dirty="0"/>
@@ -5481,10 +5685,10 @@
       </p:grpSpPr>
       <p:sp>
         <p:nvSpPr>
-          <p:cNvPr id="3" name="Footer Placeholder 2">
+          <p:cNvPr id="2" name="Footer Placeholder 1">
             <a:extLst>
               <a:ext uri="{FF2B5EF4-FFF2-40B4-BE49-F238E27FC236}">
-                <a16:creationId xmlns:a16="http://schemas.microsoft.com/office/drawing/2014/main" id="{3A9583CE-C884-B347-B01B-5904C9ECCBE8}"/>
+                <a16:creationId xmlns:a16="http://schemas.microsoft.com/office/drawing/2014/main" id="{74C0E64F-BD15-D84A-8AF6-7FBF81582E4E}"/>
               </a:ext>
             </a:extLst>
           </p:cNvPr>
@@ -5509,10 +5713,10 @@
       </p:sp>
       <p:sp>
         <p:nvSpPr>
-          <p:cNvPr id="4" name="Slide Number Placeholder 3">
+          <p:cNvPr id="3" name="Slide Number Placeholder 2">
             <a:extLst>
               <a:ext uri="{FF2B5EF4-FFF2-40B4-BE49-F238E27FC236}">
-                <a16:creationId xmlns:a16="http://schemas.microsoft.com/office/drawing/2014/main" id="{66EED558-8C56-274A-97D7-127CBA9B66B7}"/>
+                <a16:creationId xmlns:a16="http://schemas.microsoft.com/office/drawing/2014/main" id="{F5F1A354-80D0-D941-8914-6F7340FABBAC}"/>
               </a:ext>
             </a:extLst>
           </p:cNvPr>
@@ -5528,7 +5732,7 @@
           <a:bodyPr/>
           <a:lstStyle/>
           <a:p>
-            <a:fld id="{0A297500-7527-634B-90F4-69D0994C32B4}" type="slidenum">
+            <a:fld id="{CF179DAE-D0A6-40C3-B8BC-6A97C268D03A}" type="slidenum">
               <a:rPr lang="nl-NL" smtClean="0"/>
               <a:t>10</a:t>
             </a:fld>
@@ -5538,10 +5742,10 @@
       </p:sp>
       <p:sp>
         <p:nvSpPr>
-          <p:cNvPr id="5" name="Title 4">
+          <p:cNvPr id="4" name="Title 3">
             <a:extLst>
               <a:ext uri="{FF2B5EF4-FFF2-40B4-BE49-F238E27FC236}">
-                <a16:creationId xmlns:a16="http://schemas.microsoft.com/office/drawing/2014/main" id="{488245B9-E66C-2E45-BF0F-F4862FF13126}"/>
+                <a16:creationId xmlns:a16="http://schemas.microsoft.com/office/drawing/2014/main" id="{2614A161-7B97-CE46-91B6-FD7C00FC6E78}"/>
               </a:ext>
             </a:extLst>
           </p:cNvPr>
@@ -5559,84 +5763,40 @@
           <a:p>
             <a:r>
               <a:rPr lang="en-US" dirty="0"/>
-              <a:t>Design rationale </a:t>
-            </a:r>
-          </a:p>
-        </p:txBody>
-      </p:sp>
-      <p:pic>
-        <p:nvPicPr>
-          <p:cNvPr id="10" name="Content Placeholder 9">
+              <a:t>Design rationale</a:t>
+            </a:r>
+          </a:p>
+        </p:txBody>
+      </p:sp>
+      <p:sp>
+        <p:nvSpPr>
+          <p:cNvPr id="5" name="Text Placeholder 4">
             <a:extLst>
               <a:ext uri="{FF2B5EF4-FFF2-40B4-BE49-F238E27FC236}">
-                <a16:creationId xmlns:a16="http://schemas.microsoft.com/office/drawing/2014/main" id="{D1640C61-BBE3-BC43-8827-1297A0B097A9}"/>
+                <a16:creationId xmlns:a16="http://schemas.microsoft.com/office/drawing/2014/main" id="{1EA31E97-D461-724B-9BC9-745EB20990C5}"/>
               </a:ext>
             </a:extLst>
           </p:cNvPr>
-          <p:cNvPicPr>
-            <a:picLocks noGrp="1" noChangeAspect="1"/>
-          </p:cNvPicPr>
-          <p:nvPr>
-            <p:ph idx="1"/>
-          </p:nvPr>
-        </p:nvPicPr>
-        <p:blipFill>
-          <a:blip r:embed="rId2"/>
-          <a:stretch>
-            <a:fillRect/>
-          </a:stretch>
-        </p:blipFill>
-        <p:spPr>
-          <a:xfrm>
-            <a:off x="576000" y="2617076"/>
-            <a:ext cx="3513389" cy="2635042"/>
-          </a:xfrm>
-        </p:spPr>
-      </p:pic>
-      <p:sp>
-        <p:nvSpPr>
-          <p:cNvPr id="6" name="Rectangle 5">
-            <a:extLst>
-              <a:ext uri="{FF2B5EF4-FFF2-40B4-BE49-F238E27FC236}">
-                <a16:creationId xmlns:a16="http://schemas.microsoft.com/office/drawing/2014/main" id="{43F5049D-F45D-A746-AF79-25BB107C99C6}"/>
-              </a:ext>
-            </a:extLst>
-          </p:cNvPr>
-          <p:cNvSpPr/>
-          <p:nvPr/>
-        </p:nvSpPr>
-        <p:spPr>
-          <a:xfrm>
-            <a:off x="576000" y="1391676"/>
-            <a:ext cx="11041200" cy="830997"/>
-          </a:xfrm>
-          <a:prstGeom prst="rect">
-            <a:avLst/>
-          </a:prstGeom>
-        </p:spPr>
-        <p:txBody>
-          <a:bodyPr wrap="square">
-            <a:spAutoFit/>
-          </a:bodyPr>
-          <a:lstStyle/>
-          <a:p>
-            <a:r>
-              <a:rPr lang="en-US" sz="2400" dirty="0"/>
-              <a:t>How will the insights be revealed via the visualization?</a:t>
-            </a:r>
-          </a:p>
-          <a:p>
-            <a:r>
-              <a:rPr lang="en-US" sz="2400" dirty="0"/>
-              <a:t>What design decisions did you make? Based on what reasoning?</a:t>
-            </a:r>
+          <p:cNvSpPr>
+            <a:spLocks noGrp="1"/>
+          </p:cNvSpPr>
+          <p:nvPr>
+            <p:ph type="body" idx="1"/>
+          </p:nvPr>
+        </p:nvSpPr>
+        <p:spPr/>
+        <p:txBody>
+          <a:bodyPr/>
+          <a:lstStyle/>
+          <a:p>
+            <a:endParaRPr lang="en-US"/>
           </a:p>
         </p:txBody>
       </p:sp>
     </p:spTree>
     <p:extLst>
       <p:ext uri="{BB962C8B-B14F-4D97-AF65-F5344CB8AC3E}">
-        <p14:creationId xmlns:p14="http://schemas.microsoft.com/office/powerpoint/2010/main" val="1582698165"/>
+        <p14:creationId xmlns:p14="http://schemas.microsoft.com/office/powerpoint/2010/main" val="3481877572"/>
       </p:ext>
     </p:extLst>
   </p:cSld>
@@ -5665,10 +5825,10 @@
       </p:grpSpPr>
       <p:sp>
         <p:nvSpPr>
-          <p:cNvPr id="2" name="Footer Placeholder 1">
+          <p:cNvPr id="3" name="Footer Placeholder 2">
             <a:extLst>
               <a:ext uri="{FF2B5EF4-FFF2-40B4-BE49-F238E27FC236}">
-                <a16:creationId xmlns:a16="http://schemas.microsoft.com/office/drawing/2014/main" id="{04FB8DF1-3283-F24B-AA82-D486025437B0}"/>
+                <a16:creationId xmlns:a16="http://schemas.microsoft.com/office/drawing/2014/main" id="{3A9583CE-C884-B347-B01B-5904C9ECCBE8}"/>
               </a:ext>
             </a:extLst>
           </p:cNvPr>
@@ -5693,10 +5853,10 @@
       </p:sp>
       <p:sp>
         <p:nvSpPr>
-          <p:cNvPr id="3" name="Slide Number Placeholder 2">
+          <p:cNvPr id="4" name="Slide Number Placeholder 3">
             <a:extLst>
               <a:ext uri="{FF2B5EF4-FFF2-40B4-BE49-F238E27FC236}">
-                <a16:creationId xmlns:a16="http://schemas.microsoft.com/office/drawing/2014/main" id="{1A225C18-3B67-D140-9F89-8229F18CFB66}"/>
+                <a16:creationId xmlns:a16="http://schemas.microsoft.com/office/drawing/2014/main" id="{66EED558-8C56-274A-97D7-127CBA9B66B7}"/>
               </a:ext>
             </a:extLst>
           </p:cNvPr>
@@ -5712,7 +5872,7 @@
           <a:bodyPr/>
           <a:lstStyle/>
           <a:p>
-            <a:fld id="{CF179DAE-D0A6-40C3-B8BC-6A97C268D03A}" type="slidenum">
+            <a:fld id="{0A297500-7527-634B-90F4-69D0994C32B4}" type="slidenum">
               <a:rPr lang="nl-NL" smtClean="0"/>
               <a:t>11</a:t>
             </a:fld>
@@ -5722,10 +5882,10 @@
       </p:sp>
       <p:sp>
         <p:nvSpPr>
-          <p:cNvPr id="4" name="Title 3">
+          <p:cNvPr id="5" name="Title 4">
             <a:extLst>
               <a:ext uri="{FF2B5EF4-FFF2-40B4-BE49-F238E27FC236}">
-                <a16:creationId xmlns:a16="http://schemas.microsoft.com/office/drawing/2014/main" id="{A27180E3-11A7-4044-84E1-B003A594FBA9}"/>
+                <a16:creationId xmlns:a16="http://schemas.microsoft.com/office/drawing/2014/main" id="{488245B9-E66C-2E45-BF0F-F4862FF13126}"/>
               </a:ext>
             </a:extLst>
           </p:cNvPr>
@@ -5743,40 +5903,225 @@
           <a:p>
             <a:r>
               <a:rPr lang="en-US" dirty="0"/>
-              <a:t>Communication</a:t>
-            </a:r>
-          </a:p>
-        </p:txBody>
-      </p:sp>
-      <p:sp>
-        <p:nvSpPr>
-          <p:cNvPr id="5" name="Text Placeholder 4">
+              <a:t>Design inspiration </a:t>
+            </a:r>
+          </a:p>
+        </p:txBody>
+      </p:sp>
+      <p:sp>
+        <p:nvSpPr>
+          <p:cNvPr id="6" name="Rectangle 5">
             <a:extLst>
               <a:ext uri="{FF2B5EF4-FFF2-40B4-BE49-F238E27FC236}">
-                <a16:creationId xmlns:a16="http://schemas.microsoft.com/office/drawing/2014/main" id="{F97C3E88-5E93-C14E-8EE0-44D18C7F00F7}"/>
+                <a16:creationId xmlns:a16="http://schemas.microsoft.com/office/drawing/2014/main" id="{43F5049D-F45D-A746-AF79-25BB107C99C6}"/>
               </a:ext>
             </a:extLst>
           </p:cNvPr>
-          <p:cNvSpPr>
-            <a:spLocks noGrp="1"/>
-          </p:cNvSpPr>
-          <p:nvPr>
-            <p:ph type="body" idx="1"/>
-          </p:nvPr>
-        </p:nvSpPr>
-        <p:spPr/>
-        <p:txBody>
-          <a:bodyPr/>
-          <a:lstStyle/>
-          <a:p>
-            <a:endParaRPr lang="en-US"/>
+          <p:cNvSpPr/>
+          <p:nvPr/>
+        </p:nvSpPr>
+        <p:spPr>
+          <a:xfrm>
+            <a:off x="576000" y="1391676"/>
+            <a:ext cx="11041200" cy="830997"/>
+          </a:xfrm>
+          <a:prstGeom prst="rect">
+            <a:avLst/>
+          </a:prstGeom>
+        </p:spPr>
+        <p:txBody>
+          <a:bodyPr wrap="square">
+            <a:spAutoFit/>
+          </a:bodyPr>
+          <a:lstStyle/>
+          <a:p>
+            <a:r>
+              <a:rPr lang="en-US" sz="2400" dirty="0"/>
+              <a:t>What are other works that are inspirational to your design? </a:t>
+            </a:r>
+          </a:p>
+          <a:p>
+            <a:r>
+              <a:rPr lang="en-US" sz="2400" dirty="0"/>
+              <a:t>How might they inspire your design?</a:t>
+            </a:r>
+          </a:p>
+        </p:txBody>
+      </p:sp>
+      <p:sp>
+        <p:nvSpPr>
+          <p:cNvPr id="8" name="Rectangle 7">
+            <a:extLst>
+              <a:ext uri="{FF2B5EF4-FFF2-40B4-BE49-F238E27FC236}">
+                <a16:creationId xmlns:a16="http://schemas.microsoft.com/office/drawing/2014/main" id="{91C35A8C-29EE-AD49-A6CD-27D78BECDC7C}"/>
+              </a:ext>
+            </a:extLst>
+          </p:cNvPr>
+          <p:cNvSpPr/>
+          <p:nvPr/>
+        </p:nvSpPr>
+        <p:spPr>
+          <a:xfrm>
+            <a:off x="1026806" y="4745176"/>
+            <a:ext cx="2421788" cy="276999"/>
+          </a:xfrm>
+          <a:prstGeom prst="rect">
+            <a:avLst/>
+          </a:prstGeom>
+        </p:spPr>
+        <p:txBody>
+          <a:bodyPr wrap="square">
+            <a:spAutoFit/>
+          </a:bodyPr>
+          <a:lstStyle/>
+          <a:p>
+            <a:r>
+              <a:rPr lang="en-US" sz="1200" dirty="0"/>
+              <a:t>https://www.strava.com/heatmap</a:t>
+            </a:r>
+          </a:p>
+        </p:txBody>
+      </p:sp>
+      <p:sp>
+        <p:nvSpPr>
+          <p:cNvPr id="7" name="Tijdelijke aanduiding voor inhoud 6">
+            <a:extLst>
+              <a:ext uri="{FF2B5EF4-FFF2-40B4-BE49-F238E27FC236}">
+                <a16:creationId xmlns:a16="http://schemas.microsoft.com/office/drawing/2014/main" id="{D0ACE5B7-AF84-448E-AA50-D0E375721D7F}"/>
+              </a:ext>
+            </a:extLst>
+          </p:cNvPr>
+          <p:cNvSpPr>
+            <a:spLocks noGrp="1"/>
+          </p:cNvSpPr>
+          <p:nvPr>
+            <p:ph idx="1"/>
+          </p:nvPr>
+        </p:nvSpPr>
+        <p:spPr>
+          <a:xfrm>
+            <a:off x="637800" y="2414147"/>
+            <a:ext cx="3533606" cy="599019"/>
+          </a:xfrm>
+        </p:spPr>
+        <p:txBody>
+          <a:bodyPr/>
+          <a:lstStyle/>
+          <a:p>
+            <a:pPr marL="0" indent="0">
+              <a:buNone/>
+            </a:pPr>
+            <a:r>
+              <a:rPr lang="nl-BE" dirty="0" err="1"/>
+              <a:t>Strava</a:t>
+            </a:r>
+            <a:r>
+              <a:rPr lang="nl-BE" dirty="0"/>
+              <a:t> Global </a:t>
+            </a:r>
+            <a:r>
+              <a:rPr lang="nl-BE" dirty="0" err="1"/>
+              <a:t>Heatmap</a:t>
+            </a:r>
+            <a:endParaRPr lang="nl-BE" dirty="0"/>
+          </a:p>
+          <a:p>
+            <a:pPr marL="0" indent="0">
+              <a:buNone/>
+            </a:pPr>
+            <a:endParaRPr lang="nl-BE" dirty="0"/>
+          </a:p>
+        </p:txBody>
+      </p:sp>
+      <p:pic>
+        <p:nvPicPr>
+          <p:cNvPr id="9" name="Afbeelding 8">
+            <a:extLst>
+              <a:ext uri="{FF2B5EF4-FFF2-40B4-BE49-F238E27FC236}">
+                <a16:creationId xmlns:a16="http://schemas.microsoft.com/office/drawing/2014/main" id="{2CD62342-4DDF-4715-A923-D6FB65299DC9}"/>
+              </a:ext>
+            </a:extLst>
+          </p:cNvPr>
+          <p:cNvPicPr>
+            <a:picLocks noChangeAspect="1"/>
+          </p:cNvPicPr>
+          <p:nvPr/>
+        </p:nvPicPr>
+        <p:blipFill>
+          <a:blip r:embed="rId2"/>
+          <a:stretch>
+            <a:fillRect/>
+          </a:stretch>
+        </p:blipFill>
+        <p:spPr>
+          <a:xfrm>
+            <a:off x="728799" y="2875021"/>
+            <a:ext cx="3155224" cy="1818505"/>
+          </a:xfrm>
+          <a:prstGeom prst="rect">
+            <a:avLst/>
+          </a:prstGeom>
+        </p:spPr>
+      </p:pic>
+      <p:sp>
+        <p:nvSpPr>
+          <p:cNvPr id="11" name="Tekstvak 10">
+            <a:extLst>
+              <a:ext uri="{FF2B5EF4-FFF2-40B4-BE49-F238E27FC236}">
+                <a16:creationId xmlns:a16="http://schemas.microsoft.com/office/drawing/2014/main" id="{2AB94FAE-2915-49A4-92F4-F1C7DB7D6143}"/>
+              </a:ext>
+            </a:extLst>
+          </p:cNvPr>
+          <p:cNvSpPr txBox="1"/>
+          <p:nvPr/>
+        </p:nvSpPr>
+        <p:spPr>
+          <a:xfrm>
+            <a:off x="566191" y="5234841"/>
+            <a:ext cx="3480440" cy="369332"/>
+          </a:xfrm>
+          <a:prstGeom prst="rect">
+            <a:avLst/>
+          </a:prstGeom>
+          <a:noFill/>
+        </p:spPr>
+        <p:txBody>
+          <a:bodyPr wrap="none" rtlCol="0">
+            <a:spAutoFit/>
+          </a:bodyPr>
+          <a:lstStyle/>
+          <a:p>
+            <a:r>
+              <a:rPr lang="nl-BE" dirty="0" err="1"/>
+              <a:t>Heatmap</a:t>
+            </a:r>
+            <a:r>
+              <a:rPr lang="nl-BE" dirty="0"/>
+              <a:t> </a:t>
+            </a:r>
+            <a:r>
+              <a:rPr lang="nl-BE" dirty="0" err="1"/>
+              <a:t>from</a:t>
+            </a:r>
+            <a:r>
+              <a:rPr lang="nl-BE" dirty="0"/>
+              <a:t> routes, </a:t>
+            </a:r>
+            <a:r>
+              <a:rPr lang="nl-BE" dirty="0" err="1"/>
+              <a:t>not</a:t>
+            </a:r>
+            <a:r>
+              <a:rPr lang="nl-BE" dirty="0"/>
+              <a:t> points</a:t>
+            </a:r>
           </a:p>
         </p:txBody>
       </p:sp>
     </p:spTree>
     <p:extLst>
       <p:ext uri="{BB962C8B-B14F-4D97-AF65-F5344CB8AC3E}">
-        <p14:creationId xmlns:p14="http://schemas.microsoft.com/office/powerpoint/2010/main" val="4175035695"/>
+        <p14:creationId xmlns:p14="http://schemas.microsoft.com/office/powerpoint/2010/main" val="2124282956"/>
       </p:ext>
     </p:extLst>
   </p:cSld>
@@ -5805,10 +6150,10 @@
       </p:grpSpPr>
       <p:sp>
         <p:nvSpPr>
-          <p:cNvPr id="2" name="Content Placeholder 1">
+          <p:cNvPr id="3" name="Footer Placeholder 2">
             <a:extLst>
               <a:ext uri="{FF2B5EF4-FFF2-40B4-BE49-F238E27FC236}">
-                <a16:creationId xmlns:a16="http://schemas.microsoft.com/office/drawing/2014/main" id="{4B56DC80-232A-3340-AB3A-4BC798E797D1}"/>
+                <a16:creationId xmlns:a16="http://schemas.microsoft.com/office/drawing/2014/main" id="{3A9583CE-C884-B347-B01B-5904C9ECCBE8}"/>
               </a:ext>
             </a:extLst>
           </p:cNvPr>
@@ -5816,37 +6161,6 @@
             <a:spLocks noGrp="1"/>
           </p:cNvSpPr>
           <p:nvPr>
-            <p:ph idx="1"/>
-          </p:nvPr>
-        </p:nvSpPr>
-        <p:spPr/>
-        <p:txBody>
-          <a:bodyPr/>
-          <a:lstStyle/>
-          <a:p>
-            <a:r>
-              <a:rPr lang="en-US" dirty="0"/>
-              <a:t>Take the user through a “tutorial” which will show some interesting points and the effect of the controls before releasing control.</a:t>
-            </a:r>
-          </a:p>
-          <a:p>
-            <a:endParaRPr lang="en-US" dirty="0"/>
-          </a:p>
-        </p:txBody>
-      </p:sp>
-      <p:sp>
-        <p:nvSpPr>
-          <p:cNvPr id="3" name="Footer Placeholder 2">
-            <a:extLst>
-              <a:ext uri="{FF2B5EF4-FFF2-40B4-BE49-F238E27FC236}">
-                <a16:creationId xmlns:a16="http://schemas.microsoft.com/office/drawing/2014/main" id="{69DEDCF4-1FF8-4540-9F76-9EF4843E7044}"/>
-              </a:ext>
-            </a:extLst>
-          </p:cNvPr>
-          <p:cNvSpPr>
-            <a:spLocks noGrp="1"/>
-          </p:cNvSpPr>
-          <p:nvPr>
             <p:ph type="ftr" sz="quarter" idx="11"/>
           </p:nvPr>
         </p:nvSpPr>
@@ -5867,7 +6181,7 @@
           <p:cNvPr id="4" name="Slide Number Placeholder 3">
             <a:extLst>
               <a:ext uri="{FF2B5EF4-FFF2-40B4-BE49-F238E27FC236}">
-                <a16:creationId xmlns:a16="http://schemas.microsoft.com/office/drawing/2014/main" id="{CDC78FD6-FAB4-B34A-BAD9-CA72B02D8681}"/>
+                <a16:creationId xmlns:a16="http://schemas.microsoft.com/office/drawing/2014/main" id="{66EED558-8C56-274A-97D7-127CBA9B66B7}"/>
               </a:ext>
             </a:extLst>
           </p:cNvPr>
@@ -5896,7 +6210,7 @@
           <p:cNvPr id="5" name="Title 4">
             <a:extLst>
               <a:ext uri="{FF2B5EF4-FFF2-40B4-BE49-F238E27FC236}">
-                <a16:creationId xmlns:a16="http://schemas.microsoft.com/office/drawing/2014/main" id="{07DC1AF7-C39D-D94C-B0D2-802C31AC6EE8}"/>
+                <a16:creationId xmlns:a16="http://schemas.microsoft.com/office/drawing/2014/main" id="{488245B9-E66C-2E45-BF0F-F4862FF13126}"/>
               </a:ext>
             </a:extLst>
           </p:cNvPr>
@@ -5914,7 +6228,76 @@
           <a:p>
             <a:r>
               <a:rPr lang="en-US" dirty="0"/>
-              <a:t>Communication</a:t>
+              <a:t>Design rationale </a:t>
+            </a:r>
+          </a:p>
+        </p:txBody>
+      </p:sp>
+      <p:pic>
+        <p:nvPicPr>
+          <p:cNvPr id="10" name="Content Placeholder 9">
+            <a:extLst>
+              <a:ext uri="{FF2B5EF4-FFF2-40B4-BE49-F238E27FC236}">
+                <a16:creationId xmlns:a16="http://schemas.microsoft.com/office/drawing/2014/main" id="{D1640C61-BBE3-BC43-8827-1297A0B097A9}"/>
+              </a:ext>
+            </a:extLst>
+          </p:cNvPr>
+          <p:cNvPicPr>
+            <a:picLocks noGrp="1" noChangeAspect="1"/>
+          </p:cNvPicPr>
+          <p:nvPr>
+            <p:ph idx="1"/>
+          </p:nvPr>
+        </p:nvPicPr>
+        <p:blipFill>
+          <a:blip r:embed="rId2"/>
+          <a:stretch>
+            <a:fillRect/>
+          </a:stretch>
+        </p:blipFill>
+        <p:spPr>
+          <a:xfrm>
+            <a:off x="576000" y="2617076"/>
+            <a:ext cx="3513389" cy="2635042"/>
+          </a:xfrm>
+        </p:spPr>
+      </p:pic>
+      <p:sp>
+        <p:nvSpPr>
+          <p:cNvPr id="6" name="Rectangle 5">
+            <a:extLst>
+              <a:ext uri="{FF2B5EF4-FFF2-40B4-BE49-F238E27FC236}">
+                <a16:creationId xmlns:a16="http://schemas.microsoft.com/office/drawing/2014/main" id="{43F5049D-F45D-A746-AF79-25BB107C99C6}"/>
+              </a:ext>
+            </a:extLst>
+          </p:cNvPr>
+          <p:cNvSpPr/>
+          <p:nvPr/>
+        </p:nvSpPr>
+        <p:spPr>
+          <a:xfrm>
+            <a:off x="576000" y="1391676"/>
+            <a:ext cx="11041200" cy="830997"/>
+          </a:xfrm>
+          <a:prstGeom prst="rect">
+            <a:avLst/>
+          </a:prstGeom>
+        </p:spPr>
+        <p:txBody>
+          <a:bodyPr wrap="square">
+            <a:spAutoFit/>
+          </a:bodyPr>
+          <a:lstStyle/>
+          <a:p>
+            <a:r>
+              <a:rPr lang="en-US" sz="2400" dirty="0"/>
+              <a:t>How will the insights be revealed via the visualization?</a:t>
+            </a:r>
+          </a:p>
+          <a:p>
+            <a:r>
+              <a:rPr lang="en-US" sz="2400" dirty="0"/>
+              <a:t>What design decisions did you make? Based on what reasoning?</a:t>
             </a:r>
           </a:p>
         </p:txBody>
@@ -5922,7 +6305,7 @@
     </p:spTree>
     <p:extLst>
       <p:ext uri="{BB962C8B-B14F-4D97-AF65-F5344CB8AC3E}">
-        <p14:creationId xmlns:p14="http://schemas.microsoft.com/office/powerpoint/2010/main" val="3082438041"/>
+        <p14:creationId xmlns:p14="http://schemas.microsoft.com/office/powerpoint/2010/main" val="1582698165"/>
       </p:ext>
     </p:extLst>
   </p:cSld>
@@ -5951,10 +6334,10 @@
       </p:grpSpPr>
       <p:sp>
         <p:nvSpPr>
-          <p:cNvPr id="2" name="Content Placeholder 1">
+          <p:cNvPr id="2" name="Footer Placeholder 1">
             <a:extLst>
               <a:ext uri="{FF2B5EF4-FFF2-40B4-BE49-F238E27FC236}">
-                <a16:creationId xmlns:a16="http://schemas.microsoft.com/office/drawing/2014/main" id="{4B56DC80-232A-3340-AB3A-4BC798E797D1}"/>
+                <a16:creationId xmlns:a16="http://schemas.microsoft.com/office/drawing/2014/main" id="{04FB8DF1-3283-F24B-AA82-D486025437B0}"/>
               </a:ext>
             </a:extLst>
           </p:cNvPr>
@@ -5962,36 +6345,27 @@
             <a:spLocks noGrp="1"/>
           </p:cNvSpPr>
           <p:nvPr>
-            <p:ph idx="1"/>
-          </p:nvPr>
-        </p:nvSpPr>
-        <p:spPr/>
-        <p:txBody>
-          <a:bodyPr/>
-          <a:lstStyle/>
-          <a:p>
-            <a:r>
-              <a:rPr lang="en-US" dirty="0"/>
-              <a:t>Standard map controls (zoom &amp; pan)</a:t>
-            </a:r>
-          </a:p>
-          <a:p>
-            <a:r>
-              <a:rPr lang="en-US" dirty="0"/>
-              <a:t>Determine heatmap parameters so they can gain more insight themselves</a:t>
-            </a:r>
-          </a:p>
-          <a:p>
-            <a:endParaRPr lang="en-US" dirty="0"/>
-          </a:p>
-        </p:txBody>
-      </p:sp>
-      <p:sp>
-        <p:nvSpPr>
-          <p:cNvPr id="3" name="Footer Placeholder 2">
+            <p:ph type="ftr" sz="quarter" idx="11"/>
+          </p:nvPr>
+        </p:nvSpPr>
+        <p:spPr/>
+        <p:txBody>
+          <a:bodyPr/>
+          <a:lstStyle/>
+          <a:p>
+            <a:r>
+              <a:rPr lang="nl-NL"/>
+              <a:t>Department of Computer Science</a:t>
+            </a:r>
+          </a:p>
+        </p:txBody>
+      </p:sp>
+      <p:sp>
+        <p:nvSpPr>
+          <p:cNvPr id="3" name="Slide Number Placeholder 2">
             <a:extLst>
               <a:ext uri="{FF2B5EF4-FFF2-40B4-BE49-F238E27FC236}">
-                <a16:creationId xmlns:a16="http://schemas.microsoft.com/office/drawing/2014/main" id="{69DEDCF4-1FF8-4540-9F76-9EF4843E7044}"/>
+                <a16:creationId xmlns:a16="http://schemas.microsoft.com/office/drawing/2014/main" id="{1A225C18-3B67-D140-9F89-8229F18CFB66}"/>
               </a:ext>
             </a:extLst>
           </p:cNvPr>
@@ -5999,34 +6373,6 @@
             <a:spLocks noGrp="1"/>
           </p:cNvSpPr>
           <p:nvPr>
-            <p:ph type="ftr" sz="quarter" idx="11"/>
-          </p:nvPr>
-        </p:nvSpPr>
-        <p:spPr/>
-        <p:txBody>
-          <a:bodyPr/>
-          <a:lstStyle/>
-          <a:p>
-            <a:r>
-              <a:rPr lang="nl-NL"/>
-              <a:t>Department of Computer Science</a:t>
-            </a:r>
-          </a:p>
-        </p:txBody>
-      </p:sp>
-      <p:sp>
-        <p:nvSpPr>
-          <p:cNvPr id="4" name="Slide Number Placeholder 3">
-            <a:extLst>
-              <a:ext uri="{FF2B5EF4-FFF2-40B4-BE49-F238E27FC236}">
-                <a16:creationId xmlns:a16="http://schemas.microsoft.com/office/drawing/2014/main" id="{CDC78FD6-FAB4-B34A-BAD9-CA72B02D8681}"/>
-              </a:ext>
-            </a:extLst>
-          </p:cNvPr>
-          <p:cNvSpPr>
-            <a:spLocks noGrp="1"/>
-          </p:cNvSpPr>
-          <p:nvPr>
             <p:ph type="sldNum" sz="quarter" idx="12"/>
           </p:nvPr>
         </p:nvSpPr>
@@ -6035,7 +6381,7 @@
           <a:bodyPr/>
           <a:lstStyle/>
           <a:p>
-            <a:fld id="{0A297500-7527-634B-90F4-69D0994C32B4}" type="slidenum">
+            <a:fld id="{CF179DAE-D0A6-40C3-B8BC-6A97C268D03A}" type="slidenum">
               <a:rPr lang="nl-NL" smtClean="0"/>
               <a:t>13</a:t>
             </a:fld>
@@ -6045,10 +6391,10 @@
       </p:sp>
       <p:sp>
         <p:nvSpPr>
-          <p:cNvPr id="5" name="Title 4">
+          <p:cNvPr id="4" name="Title 3">
             <a:extLst>
               <a:ext uri="{FF2B5EF4-FFF2-40B4-BE49-F238E27FC236}">
-                <a16:creationId xmlns:a16="http://schemas.microsoft.com/office/drawing/2014/main" id="{07DC1AF7-C39D-D94C-B0D2-802C31AC6EE8}"/>
+                <a16:creationId xmlns:a16="http://schemas.microsoft.com/office/drawing/2014/main" id="{A27180E3-11A7-4044-84E1-B003A594FBA9}"/>
               </a:ext>
             </a:extLst>
           </p:cNvPr>
@@ -6066,15 +6412,40 @@
           <a:p>
             <a:r>
               <a:rPr lang="en-US" dirty="0"/>
-              <a:t>Interaction</a:t>
-            </a:r>
+              <a:t>Communication</a:t>
+            </a:r>
+          </a:p>
+        </p:txBody>
+      </p:sp>
+      <p:sp>
+        <p:nvSpPr>
+          <p:cNvPr id="5" name="Text Placeholder 4">
+            <a:extLst>
+              <a:ext uri="{FF2B5EF4-FFF2-40B4-BE49-F238E27FC236}">
+                <a16:creationId xmlns:a16="http://schemas.microsoft.com/office/drawing/2014/main" id="{F97C3E88-5E93-C14E-8EE0-44D18C7F00F7}"/>
+              </a:ext>
+            </a:extLst>
+          </p:cNvPr>
+          <p:cNvSpPr>
+            <a:spLocks noGrp="1"/>
+          </p:cNvSpPr>
+          <p:nvPr>
+            <p:ph type="body" idx="1"/>
+          </p:nvPr>
+        </p:nvSpPr>
+        <p:spPr/>
+        <p:txBody>
+          <a:bodyPr/>
+          <a:lstStyle/>
+          <a:p>
+            <a:endParaRPr lang="en-US"/>
           </a:p>
         </p:txBody>
       </p:sp>
     </p:spTree>
     <p:extLst>
       <p:ext uri="{BB962C8B-B14F-4D97-AF65-F5344CB8AC3E}">
-        <p14:creationId xmlns:p14="http://schemas.microsoft.com/office/powerpoint/2010/main" val="1894178731"/>
+        <p14:creationId xmlns:p14="http://schemas.microsoft.com/office/powerpoint/2010/main" val="4175035695"/>
       </p:ext>
     </p:extLst>
   </p:cSld>
@@ -6103,10 +6474,10 @@
       </p:grpSpPr>
       <p:sp>
         <p:nvSpPr>
-          <p:cNvPr id="2" name="Footer Placeholder 1">
+          <p:cNvPr id="2" name="Content Placeholder 1">
             <a:extLst>
               <a:ext uri="{FF2B5EF4-FFF2-40B4-BE49-F238E27FC236}">
-                <a16:creationId xmlns:a16="http://schemas.microsoft.com/office/drawing/2014/main" id="{04FB8DF1-3283-F24B-AA82-D486025437B0}"/>
+                <a16:creationId xmlns:a16="http://schemas.microsoft.com/office/drawing/2014/main" id="{4B56DC80-232A-3340-AB3A-4BC798E797D1}"/>
               </a:ext>
             </a:extLst>
           </p:cNvPr>
@@ -6114,27 +6485,42 @@
             <a:spLocks noGrp="1"/>
           </p:cNvSpPr>
           <p:nvPr>
-            <p:ph type="ftr" sz="quarter" idx="11"/>
-          </p:nvPr>
-        </p:nvSpPr>
-        <p:spPr/>
-        <p:txBody>
-          <a:bodyPr/>
-          <a:lstStyle/>
-          <a:p>
-            <a:r>
-              <a:rPr lang="nl-NL"/>
-              <a:t>Department of Computer Science</a:t>
-            </a:r>
-          </a:p>
-        </p:txBody>
-      </p:sp>
-      <p:sp>
-        <p:nvSpPr>
-          <p:cNvPr id="3" name="Slide Number Placeholder 2">
+            <p:ph idx="1"/>
+          </p:nvPr>
+        </p:nvSpPr>
+        <p:spPr/>
+        <p:txBody>
+          <a:bodyPr/>
+          <a:lstStyle/>
+          <a:p>
+            <a:r>
+              <a:rPr lang="en-US" dirty="0"/>
+              <a:t>Take the user through a “tutorial” which will show some interesting points and the effect of the controls before releasing control.</a:t>
+            </a:r>
+          </a:p>
+          <a:p>
+            <a:r>
+              <a:rPr lang="en-US" dirty="0"/>
+              <a:t>Show heatmap of bike routes </a:t>
+            </a:r>
+          </a:p>
+          <a:p>
+            <a:r>
+              <a:rPr lang="en-US" dirty="0"/>
+              <a:t>Plots containing numeric information of heatmaps</a:t>
+            </a:r>
+          </a:p>
+          <a:p>
+            <a:endParaRPr lang="en-US" dirty="0"/>
+          </a:p>
+        </p:txBody>
+      </p:sp>
+      <p:sp>
+        <p:nvSpPr>
+          <p:cNvPr id="3" name="Footer Placeholder 2">
             <a:extLst>
               <a:ext uri="{FF2B5EF4-FFF2-40B4-BE49-F238E27FC236}">
-                <a16:creationId xmlns:a16="http://schemas.microsoft.com/office/drawing/2014/main" id="{1A225C18-3B67-D140-9F89-8229F18CFB66}"/>
+                <a16:creationId xmlns:a16="http://schemas.microsoft.com/office/drawing/2014/main" id="{69DEDCF4-1FF8-4540-9F76-9EF4843E7044}"/>
               </a:ext>
             </a:extLst>
           </p:cNvPr>
@@ -6142,6 +6528,34 @@
             <a:spLocks noGrp="1"/>
           </p:cNvSpPr>
           <p:nvPr>
+            <p:ph type="ftr" sz="quarter" idx="11"/>
+          </p:nvPr>
+        </p:nvSpPr>
+        <p:spPr/>
+        <p:txBody>
+          <a:bodyPr/>
+          <a:lstStyle/>
+          <a:p>
+            <a:r>
+              <a:rPr lang="nl-NL"/>
+              <a:t>Department of Computer Science</a:t>
+            </a:r>
+          </a:p>
+        </p:txBody>
+      </p:sp>
+      <p:sp>
+        <p:nvSpPr>
+          <p:cNvPr id="4" name="Slide Number Placeholder 3">
+            <a:extLst>
+              <a:ext uri="{FF2B5EF4-FFF2-40B4-BE49-F238E27FC236}">
+                <a16:creationId xmlns:a16="http://schemas.microsoft.com/office/drawing/2014/main" id="{CDC78FD6-FAB4-B34A-BAD9-CA72B02D8681}"/>
+              </a:ext>
+            </a:extLst>
+          </p:cNvPr>
+          <p:cNvSpPr>
+            <a:spLocks noGrp="1"/>
+          </p:cNvSpPr>
+          <p:nvPr>
             <p:ph type="sldNum" sz="quarter" idx="12"/>
           </p:nvPr>
         </p:nvSpPr>
@@ -6150,7 +6564,7 @@
           <a:bodyPr/>
           <a:lstStyle/>
           <a:p>
-            <a:fld id="{CF179DAE-D0A6-40C3-B8BC-6A97C268D03A}" type="slidenum">
+            <a:fld id="{0A297500-7527-634B-90F4-69D0994C32B4}" type="slidenum">
               <a:rPr lang="nl-NL" smtClean="0"/>
               <a:t>14</a:t>
             </a:fld>
@@ -6160,10 +6574,10 @@
       </p:sp>
       <p:sp>
         <p:nvSpPr>
-          <p:cNvPr id="4" name="Title 3">
+          <p:cNvPr id="5" name="Title 4">
             <a:extLst>
               <a:ext uri="{FF2B5EF4-FFF2-40B4-BE49-F238E27FC236}">
-                <a16:creationId xmlns:a16="http://schemas.microsoft.com/office/drawing/2014/main" id="{A27180E3-11A7-4044-84E1-B003A594FBA9}"/>
+                <a16:creationId xmlns:a16="http://schemas.microsoft.com/office/drawing/2014/main" id="{07DC1AF7-C39D-D94C-B0D2-802C31AC6EE8}"/>
               </a:ext>
             </a:extLst>
           </p:cNvPr>
@@ -6181,40 +6595,15 @@
           <a:p>
             <a:r>
               <a:rPr lang="en-US" dirty="0"/>
-              <a:t>Demo</a:t>
-            </a:r>
-          </a:p>
-        </p:txBody>
-      </p:sp>
-      <p:sp>
-        <p:nvSpPr>
-          <p:cNvPr id="5" name="Text Placeholder 4">
-            <a:extLst>
-              <a:ext uri="{FF2B5EF4-FFF2-40B4-BE49-F238E27FC236}">
-                <a16:creationId xmlns:a16="http://schemas.microsoft.com/office/drawing/2014/main" id="{F97C3E88-5E93-C14E-8EE0-44D18C7F00F7}"/>
-              </a:ext>
-            </a:extLst>
-          </p:cNvPr>
-          <p:cNvSpPr>
-            <a:spLocks noGrp="1"/>
-          </p:cNvSpPr>
-          <p:nvPr>
-            <p:ph type="body" idx="1"/>
-          </p:nvPr>
-        </p:nvSpPr>
-        <p:spPr/>
-        <p:txBody>
-          <a:bodyPr/>
-          <a:lstStyle/>
-          <a:p>
-            <a:endParaRPr lang="en-US"/>
+              <a:t>Communication</a:t>
+            </a:r>
           </a:p>
         </p:txBody>
       </p:sp>
     </p:spTree>
     <p:extLst>
       <p:ext uri="{BB962C8B-B14F-4D97-AF65-F5344CB8AC3E}">
-        <p14:creationId xmlns:p14="http://schemas.microsoft.com/office/powerpoint/2010/main" val="3578482239"/>
+        <p14:creationId xmlns:p14="http://schemas.microsoft.com/office/powerpoint/2010/main" val="3082438041"/>
       </p:ext>
     </p:extLst>
   </p:cSld>
@@ -6246,7 +6635,7 @@
           <p:cNvPr id="2" name="Content Placeholder 1">
             <a:extLst>
               <a:ext uri="{FF2B5EF4-FFF2-40B4-BE49-F238E27FC236}">
-                <a16:creationId xmlns:a16="http://schemas.microsoft.com/office/drawing/2014/main" id="{1052A0D2-4080-B843-AB3C-D782BF1FB332}"/>
+                <a16:creationId xmlns:a16="http://schemas.microsoft.com/office/drawing/2014/main" id="{4B56DC80-232A-3340-AB3A-4BC798E797D1}"/>
               </a:ext>
             </a:extLst>
           </p:cNvPr>
@@ -6263,11 +6652,29 @@
           <a:lstStyle/>
           <a:p>
             <a:r>
-              <a:rPr lang="en-US" dirty="0">
-                <a:hlinkClick r:id="rId2"/>
-              </a:rPr>
-              <a:t>http://iv.kul/acopy.html</a:t>
-            </a:r>
+              <a:rPr lang="en-US" dirty="0"/>
+              <a:t>Standard map controls (zoom &amp; pan)</a:t>
+            </a:r>
+          </a:p>
+          <a:p>
+            <a:r>
+              <a:rPr lang="en-US" dirty="0"/>
+              <a:t>Determine heatmap parameters so they can gain more insight themselves</a:t>
+            </a:r>
+          </a:p>
+          <a:p>
+            <a:r>
+              <a:rPr lang="en-US" dirty="0"/>
+              <a:t>Determine visibility of city features like stores, schools, …</a:t>
+            </a:r>
+          </a:p>
+          <a:p>
+            <a:r>
+              <a:rPr lang="en-US" dirty="0"/>
+              <a:t>Possibility to show plots of data given a set of parameters</a:t>
+            </a:r>
+          </a:p>
+          <a:p>
             <a:endParaRPr lang="en-US" dirty="0"/>
           </a:p>
         </p:txBody>
@@ -6277,7 +6684,7 @@
           <p:cNvPr id="3" name="Footer Placeholder 2">
             <a:extLst>
               <a:ext uri="{FF2B5EF4-FFF2-40B4-BE49-F238E27FC236}">
-                <a16:creationId xmlns:a16="http://schemas.microsoft.com/office/drawing/2014/main" id="{C7526BCD-4763-7547-A129-856042F77BE7}"/>
+                <a16:creationId xmlns:a16="http://schemas.microsoft.com/office/drawing/2014/main" id="{69DEDCF4-1FF8-4540-9F76-9EF4843E7044}"/>
               </a:ext>
             </a:extLst>
           </p:cNvPr>
@@ -6305,7 +6712,7 @@
           <p:cNvPr id="4" name="Slide Number Placeholder 3">
             <a:extLst>
               <a:ext uri="{FF2B5EF4-FFF2-40B4-BE49-F238E27FC236}">
-                <a16:creationId xmlns:a16="http://schemas.microsoft.com/office/drawing/2014/main" id="{744FA0A7-01D6-4A44-9BF3-24CEB32F90DC}"/>
+                <a16:creationId xmlns:a16="http://schemas.microsoft.com/office/drawing/2014/main" id="{CDC78FD6-FAB4-B34A-BAD9-CA72B02D8681}"/>
               </a:ext>
             </a:extLst>
           </p:cNvPr>
@@ -6334,7 +6741,7 @@
           <p:cNvPr id="5" name="Title 4">
             <a:extLst>
               <a:ext uri="{FF2B5EF4-FFF2-40B4-BE49-F238E27FC236}">
-                <a16:creationId xmlns:a16="http://schemas.microsoft.com/office/drawing/2014/main" id="{1E30A5FF-DB4A-4549-9B2C-219BB1542184}"/>
+                <a16:creationId xmlns:a16="http://schemas.microsoft.com/office/drawing/2014/main" id="{07DC1AF7-C39D-D94C-B0D2-802C31AC6EE8}"/>
               </a:ext>
             </a:extLst>
           </p:cNvPr>
@@ -6352,7 +6759,7 @@
           <a:p>
             <a:r>
               <a:rPr lang="en-US" dirty="0"/>
-              <a:t>Demo</a:t>
+              <a:t>Interaction</a:t>
             </a:r>
           </a:p>
         </p:txBody>
@@ -6360,7 +6767,7 @@
     </p:spTree>
     <p:extLst>
       <p:ext uri="{BB962C8B-B14F-4D97-AF65-F5344CB8AC3E}">
-        <p14:creationId xmlns:p14="http://schemas.microsoft.com/office/powerpoint/2010/main" val="2103902814"/>
+        <p14:creationId xmlns:p14="http://schemas.microsoft.com/office/powerpoint/2010/main" val="1894178731"/>
       </p:ext>
     </p:extLst>
   </p:cSld>
@@ -6467,7 +6874,7 @@
           <a:p>
             <a:r>
               <a:rPr lang="en-US" dirty="0"/>
-              <a:t>Planning</a:t>
+              <a:t>Demo</a:t>
             </a:r>
           </a:p>
         </p:txBody>
@@ -6500,7 +6907,7 @@
     </p:spTree>
     <p:extLst>
       <p:ext uri="{BB962C8B-B14F-4D97-AF65-F5344CB8AC3E}">
-        <p14:creationId xmlns:p14="http://schemas.microsoft.com/office/powerpoint/2010/main" val="1675040606"/>
+        <p14:creationId xmlns:p14="http://schemas.microsoft.com/office/powerpoint/2010/main" val="3578482239"/>
       </p:ext>
     </p:extLst>
   </p:cSld>
@@ -6532,7 +6939,7 @@
           <p:cNvPr id="2" name="Content Placeholder 1">
             <a:extLst>
               <a:ext uri="{FF2B5EF4-FFF2-40B4-BE49-F238E27FC236}">
-                <a16:creationId xmlns:a16="http://schemas.microsoft.com/office/drawing/2014/main" id="{4B56DC80-232A-3340-AB3A-4BC798E797D1}"/>
+                <a16:creationId xmlns:a16="http://schemas.microsoft.com/office/drawing/2014/main" id="{1052A0D2-4080-B843-AB3C-D782BF1FB332}"/>
               </a:ext>
             </a:extLst>
           </p:cNvPr>
@@ -6549,17 +6956,11 @@
           <a:lstStyle/>
           <a:p>
             <a:r>
-              <a:rPr lang="en-US" dirty="0"/>
-              <a:t>Finish Controls</a:t>
-            </a:r>
-          </a:p>
-          <a:p>
-            <a:r>
-              <a:rPr lang="en-US" dirty="0"/>
-              <a:t>Add more data representations (Graphs, Parallel Coordinates,…)</a:t>
-            </a:r>
-          </a:p>
-          <a:p>
+              <a:rPr lang="en-US" dirty="0">
+                <a:hlinkClick r:id="rId2"/>
+              </a:rPr>
+              <a:t>http://iv.kul/acopy.html</a:t>
+            </a:r>
             <a:endParaRPr lang="en-US" dirty="0"/>
           </a:p>
         </p:txBody>
@@ -6569,7 +6970,7 @@
           <p:cNvPr id="3" name="Footer Placeholder 2">
             <a:extLst>
               <a:ext uri="{FF2B5EF4-FFF2-40B4-BE49-F238E27FC236}">
-                <a16:creationId xmlns:a16="http://schemas.microsoft.com/office/drawing/2014/main" id="{69DEDCF4-1FF8-4540-9F76-9EF4843E7044}"/>
+                <a16:creationId xmlns:a16="http://schemas.microsoft.com/office/drawing/2014/main" id="{C7526BCD-4763-7547-A129-856042F77BE7}"/>
               </a:ext>
             </a:extLst>
           </p:cNvPr>
@@ -6597,7 +6998,7 @@
           <p:cNvPr id="4" name="Slide Number Placeholder 3">
             <a:extLst>
               <a:ext uri="{FF2B5EF4-FFF2-40B4-BE49-F238E27FC236}">
-                <a16:creationId xmlns:a16="http://schemas.microsoft.com/office/drawing/2014/main" id="{CDC78FD6-FAB4-B34A-BAD9-CA72B02D8681}"/>
+                <a16:creationId xmlns:a16="http://schemas.microsoft.com/office/drawing/2014/main" id="{744FA0A7-01D6-4A44-9BF3-24CEB32F90DC}"/>
               </a:ext>
             </a:extLst>
           </p:cNvPr>
@@ -6626,7 +7027,7 @@
           <p:cNvPr id="5" name="Title 4">
             <a:extLst>
               <a:ext uri="{FF2B5EF4-FFF2-40B4-BE49-F238E27FC236}">
-                <a16:creationId xmlns:a16="http://schemas.microsoft.com/office/drawing/2014/main" id="{07DC1AF7-C39D-D94C-B0D2-802C31AC6EE8}"/>
+                <a16:creationId xmlns:a16="http://schemas.microsoft.com/office/drawing/2014/main" id="{1E30A5FF-DB4A-4549-9B2C-219BB1542184}"/>
               </a:ext>
             </a:extLst>
           </p:cNvPr>
@@ -6644,7 +7045,7 @@
           <a:p>
             <a:r>
               <a:rPr lang="en-US" dirty="0"/>
-              <a:t>Planning</a:t>
+              <a:t>Demo</a:t>
             </a:r>
           </a:p>
         </p:txBody>
@@ -6652,7 +7053,7 @@
     </p:spTree>
     <p:extLst>
       <p:ext uri="{BB962C8B-B14F-4D97-AF65-F5344CB8AC3E}">
-        <p14:creationId xmlns:p14="http://schemas.microsoft.com/office/powerpoint/2010/main" val="3256703699"/>
+        <p14:creationId xmlns:p14="http://schemas.microsoft.com/office/powerpoint/2010/main" val="2103902814"/>
       </p:ext>
     </p:extLst>
   </p:cSld>
@@ -6681,10 +7082,10 @@
       </p:grpSpPr>
       <p:sp>
         <p:nvSpPr>
-          <p:cNvPr id="2" name="Content Placeholder 1">
+          <p:cNvPr id="2" name="Footer Placeholder 1">
             <a:extLst>
               <a:ext uri="{FF2B5EF4-FFF2-40B4-BE49-F238E27FC236}">
-                <a16:creationId xmlns:a16="http://schemas.microsoft.com/office/drawing/2014/main" id="{44F225A7-C2CA-3C4A-866A-F4DB2478FD84}"/>
+                <a16:creationId xmlns:a16="http://schemas.microsoft.com/office/drawing/2014/main" id="{04FB8DF1-3283-F24B-AA82-D486025437B0}"/>
               </a:ext>
             </a:extLst>
           </p:cNvPr>
@@ -6692,37 +7093,27 @@
             <a:spLocks noGrp="1"/>
           </p:cNvSpPr>
           <p:nvPr>
-            <p:ph idx="1"/>
-          </p:nvPr>
-        </p:nvSpPr>
-        <p:spPr>
-          <a:xfrm>
-            <a:off x="245035" y="1924941"/>
-            <a:ext cx="11660094" cy="3101271"/>
-          </a:xfrm>
-        </p:spPr>
-        <p:txBody>
-          <a:bodyPr>
-            <a:normAutofit lnSpcReduction="10000"/>
-          </a:bodyPr>
-          <a:lstStyle/>
-          <a:p>
-            <a:pPr marL="0" indent="0" algn="ctr">
-              <a:buNone/>
-            </a:pPr>
-            <a:r>
-              <a:rPr lang="en-US" sz="20000" dirty="0"/>
-              <a:t>?</a:t>
-            </a:r>
-          </a:p>
-        </p:txBody>
-      </p:sp>
-      <p:sp>
-        <p:nvSpPr>
-          <p:cNvPr id="3" name="Footer Placeholder 2">
+            <p:ph type="ftr" sz="quarter" idx="11"/>
+          </p:nvPr>
+        </p:nvSpPr>
+        <p:spPr/>
+        <p:txBody>
+          <a:bodyPr/>
+          <a:lstStyle/>
+          <a:p>
+            <a:r>
+              <a:rPr lang="nl-NL"/>
+              <a:t>Department of Computer Science</a:t>
+            </a:r>
+          </a:p>
+        </p:txBody>
+      </p:sp>
+      <p:sp>
+        <p:nvSpPr>
+          <p:cNvPr id="3" name="Slide Number Placeholder 2">
             <a:extLst>
               <a:ext uri="{FF2B5EF4-FFF2-40B4-BE49-F238E27FC236}">
-                <a16:creationId xmlns:a16="http://schemas.microsoft.com/office/drawing/2014/main" id="{07ADBC8F-5C47-B44F-A998-A69829B4C5DD}"/>
+                <a16:creationId xmlns:a16="http://schemas.microsoft.com/office/drawing/2014/main" id="{1A225C18-3B67-D140-9F89-8229F18CFB66}"/>
               </a:ext>
             </a:extLst>
           </p:cNvPr>
@@ -6730,34 +7121,6 @@
             <a:spLocks noGrp="1"/>
           </p:cNvSpPr>
           <p:nvPr>
-            <p:ph type="ftr" sz="quarter" idx="11"/>
-          </p:nvPr>
-        </p:nvSpPr>
-        <p:spPr/>
-        <p:txBody>
-          <a:bodyPr/>
-          <a:lstStyle/>
-          <a:p>
-            <a:r>
-              <a:rPr lang="nl-NL"/>
-              <a:t>Department of Computer Science</a:t>
-            </a:r>
-          </a:p>
-        </p:txBody>
-      </p:sp>
-      <p:sp>
-        <p:nvSpPr>
-          <p:cNvPr id="4" name="Slide Number Placeholder 3">
-            <a:extLst>
-              <a:ext uri="{FF2B5EF4-FFF2-40B4-BE49-F238E27FC236}">
-                <a16:creationId xmlns:a16="http://schemas.microsoft.com/office/drawing/2014/main" id="{C771286D-E6B9-2244-BA20-6793897CFB6D}"/>
-              </a:ext>
-            </a:extLst>
-          </p:cNvPr>
-          <p:cNvSpPr>
-            <a:spLocks noGrp="1"/>
-          </p:cNvSpPr>
-          <p:nvPr>
             <p:ph type="sldNum" sz="quarter" idx="12"/>
           </p:nvPr>
         </p:nvSpPr>
@@ -6766,7 +7129,7 @@
           <a:bodyPr/>
           <a:lstStyle/>
           <a:p>
-            <a:fld id="{0A297500-7527-634B-90F4-69D0994C32B4}" type="slidenum">
+            <a:fld id="{CF179DAE-D0A6-40C3-B8BC-6A97C268D03A}" type="slidenum">
               <a:rPr lang="nl-NL" smtClean="0"/>
               <a:t>18</a:t>
             </a:fld>
@@ -6776,12 +7139,46 @@
       </p:sp>
       <p:sp>
         <p:nvSpPr>
-          <p:cNvPr id="6" name="Title 5"/>
+          <p:cNvPr id="4" name="Title 3">
+            <a:extLst>
+              <a:ext uri="{FF2B5EF4-FFF2-40B4-BE49-F238E27FC236}">
+                <a16:creationId xmlns:a16="http://schemas.microsoft.com/office/drawing/2014/main" id="{A27180E3-11A7-4044-84E1-B003A594FBA9}"/>
+              </a:ext>
+            </a:extLst>
+          </p:cNvPr>
           <p:cNvSpPr>
             <a:spLocks noGrp="1"/>
           </p:cNvSpPr>
           <p:nvPr>
             <p:ph type="title"/>
+          </p:nvPr>
+        </p:nvSpPr>
+        <p:spPr/>
+        <p:txBody>
+          <a:bodyPr/>
+          <a:lstStyle/>
+          <a:p>
+            <a:r>
+              <a:rPr lang="en-US" dirty="0"/>
+              <a:t>Planning</a:t>
+            </a:r>
+          </a:p>
+        </p:txBody>
+      </p:sp>
+      <p:sp>
+        <p:nvSpPr>
+          <p:cNvPr id="5" name="Text Placeholder 4">
+            <a:extLst>
+              <a:ext uri="{FF2B5EF4-FFF2-40B4-BE49-F238E27FC236}">
+                <a16:creationId xmlns:a16="http://schemas.microsoft.com/office/drawing/2014/main" id="{F97C3E88-5E93-C14E-8EE0-44D18C7F00F7}"/>
+              </a:ext>
+            </a:extLst>
+          </p:cNvPr>
+          <p:cNvSpPr>
+            <a:spLocks noGrp="1"/>
+          </p:cNvSpPr>
+          <p:nvPr>
+            <p:ph type="body" idx="1"/>
           </p:nvPr>
         </p:nvSpPr>
         <p:spPr/>
@@ -6796,7 +7193,159 @@
     </p:spTree>
     <p:extLst>
       <p:ext uri="{BB962C8B-B14F-4D97-AF65-F5344CB8AC3E}">
-        <p14:creationId xmlns:p14="http://schemas.microsoft.com/office/powerpoint/2010/main" val="2453192473"/>
+        <p14:creationId xmlns:p14="http://schemas.microsoft.com/office/powerpoint/2010/main" val="1675040606"/>
+      </p:ext>
+    </p:extLst>
+  </p:cSld>
+  <p:clrMapOvr>
+    <a:masterClrMapping/>
+  </p:clrMapOvr>
+</p:sld>
+</file>
+
+<file path=ppt/slides/slide19.xml><?xml version="1.0" encoding="utf-8"?>
+<p:sld xmlns:a="http://schemas.openxmlformats.org/drawingml/2006/main" xmlns:r="http://schemas.openxmlformats.org/officeDocument/2006/relationships" xmlns:p="http://schemas.openxmlformats.org/presentationml/2006/main">
+  <p:cSld>
+    <p:spTree>
+      <p:nvGrpSpPr>
+        <p:cNvPr id="1" name=""/>
+        <p:cNvGrpSpPr/>
+        <p:nvPr/>
+      </p:nvGrpSpPr>
+      <p:grpSpPr>
+        <a:xfrm>
+          <a:off x="0" y="0"/>
+          <a:ext cx="0" cy="0"/>
+          <a:chOff x="0" y="0"/>
+          <a:chExt cx="0" cy="0"/>
+        </a:xfrm>
+      </p:grpSpPr>
+      <p:sp>
+        <p:nvSpPr>
+          <p:cNvPr id="2" name="Content Placeholder 1">
+            <a:extLst>
+              <a:ext uri="{FF2B5EF4-FFF2-40B4-BE49-F238E27FC236}">
+                <a16:creationId xmlns:a16="http://schemas.microsoft.com/office/drawing/2014/main" id="{4B56DC80-232A-3340-AB3A-4BC798E797D1}"/>
+              </a:ext>
+            </a:extLst>
+          </p:cNvPr>
+          <p:cNvSpPr>
+            <a:spLocks noGrp="1"/>
+          </p:cNvSpPr>
+          <p:nvPr>
+            <p:ph idx="1"/>
+          </p:nvPr>
+        </p:nvSpPr>
+        <p:spPr/>
+        <p:txBody>
+          <a:bodyPr/>
+          <a:lstStyle/>
+          <a:p>
+            <a:r>
+              <a:rPr lang="en-US" dirty="0"/>
+              <a:t>Finish Controls</a:t>
+            </a:r>
+          </a:p>
+          <a:p>
+            <a:r>
+              <a:rPr lang="en-US" dirty="0"/>
+              <a:t>Add more data representations (Graphs, Parallel Coordinates,…)</a:t>
+            </a:r>
+          </a:p>
+          <a:p>
+            <a:endParaRPr lang="en-US" dirty="0"/>
+          </a:p>
+        </p:txBody>
+      </p:sp>
+      <p:sp>
+        <p:nvSpPr>
+          <p:cNvPr id="3" name="Footer Placeholder 2">
+            <a:extLst>
+              <a:ext uri="{FF2B5EF4-FFF2-40B4-BE49-F238E27FC236}">
+                <a16:creationId xmlns:a16="http://schemas.microsoft.com/office/drawing/2014/main" id="{69DEDCF4-1FF8-4540-9F76-9EF4843E7044}"/>
+              </a:ext>
+            </a:extLst>
+          </p:cNvPr>
+          <p:cNvSpPr>
+            <a:spLocks noGrp="1"/>
+          </p:cNvSpPr>
+          <p:nvPr>
+            <p:ph type="ftr" sz="quarter" idx="11"/>
+          </p:nvPr>
+        </p:nvSpPr>
+        <p:spPr/>
+        <p:txBody>
+          <a:bodyPr/>
+          <a:lstStyle/>
+          <a:p>
+            <a:r>
+              <a:rPr lang="nl-NL"/>
+              <a:t>Department of Computer Science</a:t>
+            </a:r>
+          </a:p>
+        </p:txBody>
+      </p:sp>
+      <p:sp>
+        <p:nvSpPr>
+          <p:cNvPr id="4" name="Slide Number Placeholder 3">
+            <a:extLst>
+              <a:ext uri="{FF2B5EF4-FFF2-40B4-BE49-F238E27FC236}">
+                <a16:creationId xmlns:a16="http://schemas.microsoft.com/office/drawing/2014/main" id="{CDC78FD6-FAB4-B34A-BAD9-CA72B02D8681}"/>
+              </a:ext>
+            </a:extLst>
+          </p:cNvPr>
+          <p:cNvSpPr>
+            <a:spLocks noGrp="1"/>
+          </p:cNvSpPr>
+          <p:nvPr>
+            <p:ph type="sldNum" sz="quarter" idx="12"/>
+          </p:nvPr>
+        </p:nvSpPr>
+        <p:spPr/>
+        <p:txBody>
+          <a:bodyPr/>
+          <a:lstStyle/>
+          <a:p>
+            <a:fld id="{0A297500-7527-634B-90F4-69D0994C32B4}" type="slidenum">
+              <a:rPr lang="nl-NL" smtClean="0"/>
+              <a:t>19</a:t>
+            </a:fld>
+            <a:endParaRPr lang="nl-NL"/>
+          </a:p>
+        </p:txBody>
+      </p:sp>
+      <p:sp>
+        <p:nvSpPr>
+          <p:cNvPr id="5" name="Title 4">
+            <a:extLst>
+              <a:ext uri="{FF2B5EF4-FFF2-40B4-BE49-F238E27FC236}">
+                <a16:creationId xmlns:a16="http://schemas.microsoft.com/office/drawing/2014/main" id="{07DC1AF7-C39D-D94C-B0D2-802C31AC6EE8}"/>
+              </a:ext>
+            </a:extLst>
+          </p:cNvPr>
+          <p:cNvSpPr>
+            <a:spLocks noGrp="1"/>
+          </p:cNvSpPr>
+          <p:nvPr>
+            <p:ph type="title"/>
+          </p:nvPr>
+        </p:nvSpPr>
+        <p:spPr/>
+        <p:txBody>
+          <a:bodyPr/>
+          <a:lstStyle/>
+          <a:p>
+            <a:r>
+              <a:rPr lang="en-US" dirty="0"/>
+              <a:t>Planning</a:t>
+            </a:r>
+          </a:p>
+        </p:txBody>
+      </p:sp>
+    </p:spTree>
+    <p:extLst>
+      <p:ext uri="{BB962C8B-B14F-4D97-AF65-F5344CB8AC3E}">
+        <p14:creationId xmlns:p14="http://schemas.microsoft.com/office/powerpoint/2010/main" val="3256703699"/>
       </p:ext>
     </p:extLst>
   </p:cSld>
@@ -6946,6 +7495,150 @@
 </p:sld>
 </file>
 
+<file path=ppt/slides/slide20.xml><?xml version="1.0" encoding="utf-8"?>
+<p:sld xmlns:a="http://schemas.openxmlformats.org/drawingml/2006/main" xmlns:r="http://schemas.openxmlformats.org/officeDocument/2006/relationships" xmlns:p="http://schemas.openxmlformats.org/presentationml/2006/main">
+  <p:cSld>
+    <p:spTree>
+      <p:nvGrpSpPr>
+        <p:cNvPr id="1" name=""/>
+        <p:cNvGrpSpPr/>
+        <p:nvPr/>
+      </p:nvGrpSpPr>
+      <p:grpSpPr>
+        <a:xfrm>
+          <a:off x="0" y="0"/>
+          <a:ext cx="0" cy="0"/>
+          <a:chOff x="0" y="0"/>
+          <a:chExt cx="0" cy="0"/>
+        </a:xfrm>
+      </p:grpSpPr>
+      <p:sp>
+        <p:nvSpPr>
+          <p:cNvPr id="2" name="Content Placeholder 1">
+            <a:extLst>
+              <a:ext uri="{FF2B5EF4-FFF2-40B4-BE49-F238E27FC236}">
+                <a16:creationId xmlns:a16="http://schemas.microsoft.com/office/drawing/2014/main" id="{44F225A7-C2CA-3C4A-866A-F4DB2478FD84}"/>
+              </a:ext>
+            </a:extLst>
+          </p:cNvPr>
+          <p:cNvSpPr>
+            <a:spLocks noGrp="1"/>
+          </p:cNvSpPr>
+          <p:nvPr>
+            <p:ph idx="1"/>
+          </p:nvPr>
+        </p:nvSpPr>
+        <p:spPr>
+          <a:xfrm>
+            <a:off x="245035" y="1924941"/>
+            <a:ext cx="11660094" cy="3101271"/>
+          </a:xfrm>
+        </p:spPr>
+        <p:txBody>
+          <a:bodyPr>
+            <a:normAutofit lnSpcReduction="10000"/>
+          </a:bodyPr>
+          <a:lstStyle/>
+          <a:p>
+            <a:pPr marL="0" indent="0" algn="ctr">
+              <a:buNone/>
+            </a:pPr>
+            <a:r>
+              <a:rPr lang="en-US" sz="20000" dirty="0"/>
+              <a:t>?</a:t>
+            </a:r>
+          </a:p>
+        </p:txBody>
+      </p:sp>
+      <p:sp>
+        <p:nvSpPr>
+          <p:cNvPr id="3" name="Footer Placeholder 2">
+            <a:extLst>
+              <a:ext uri="{FF2B5EF4-FFF2-40B4-BE49-F238E27FC236}">
+                <a16:creationId xmlns:a16="http://schemas.microsoft.com/office/drawing/2014/main" id="{07ADBC8F-5C47-B44F-A998-A69829B4C5DD}"/>
+              </a:ext>
+            </a:extLst>
+          </p:cNvPr>
+          <p:cNvSpPr>
+            <a:spLocks noGrp="1"/>
+          </p:cNvSpPr>
+          <p:nvPr>
+            <p:ph type="ftr" sz="quarter" idx="11"/>
+          </p:nvPr>
+        </p:nvSpPr>
+        <p:spPr/>
+        <p:txBody>
+          <a:bodyPr/>
+          <a:lstStyle/>
+          <a:p>
+            <a:r>
+              <a:rPr lang="nl-NL"/>
+              <a:t>Department of Computer Science</a:t>
+            </a:r>
+          </a:p>
+        </p:txBody>
+      </p:sp>
+      <p:sp>
+        <p:nvSpPr>
+          <p:cNvPr id="4" name="Slide Number Placeholder 3">
+            <a:extLst>
+              <a:ext uri="{FF2B5EF4-FFF2-40B4-BE49-F238E27FC236}">
+                <a16:creationId xmlns:a16="http://schemas.microsoft.com/office/drawing/2014/main" id="{C771286D-E6B9-2244-BA20-6793897CFB6D}"/>
+              </a:ext>
+            </a:extLst>
+          </p:cNvPr>
+          <p:cNvSpPr>
+            <a:spLocks noGrp="1"/>
+          </p:cNvSpPr>
+          <p:nvPr>
+            <p:ph type="sldNum" sz="quarter" idx="12"/>
+          </p:nvPr>
+        </p:nvSpPr>
+        <p:spPr/>
+        <p:txBody>
+          <a:bodyPr/>
+          <a:lstStyle/>
+          <a:p>
+            <a:fld id="{0A297500-7527-634B-90F4-69D0994C32B4}" type="slidenum">
+              <a:rPr lang="nl-NL" smtClean="0"/>
+              <a:t>20</a:t>
+            </a:fld>
+            <a:endParaRPr lang="nl-NL"/>
+          </a:p>
+        </p:txBody>
+      </p:sp>
+      <p:sp>
+        <p:nvSpPr>
+          <p:cNvPr id="6" name="Title 5"/>
+          <p:cNvSpPr>
+            <a:spLocks noGrp="1"/>
+          </p:cNvSpPr>
+          <p:nvPr>
+            <p:ph type="title"/>
+          </p:nvPr>
+        </p:nvSpPr>
+        <p:spPr/>
+        <p:txBody>
+          <a:bodyPr/>
+          <a:lstStyle/>
+          <a:p>
+            <a:endParaRPr lang="en-US"/>
+          </a:p>
+        </p:txBody>
+      </p:sp>
+    </p:spTree>
+    <p:extLst>
+      <p:ext uri="{BB962C8B-B14F-4D97-AF65-F5344CB8AC3E}">
+        <p14:creationId xmlns:p14="http://schemas.microsoft.com/office/powerpoint/2010/main" val="2453192473"/>
+      </p:ext>
+    </p:extLst>
+  </p:cSld>
+  <p:clrMapOvr>
+    <a:masterClrMapping/>
+  </p:clrMapOvr>
+</p:sld>
+</file>
+
 <file path=ppt/slides/slide3.xml><?xml version="1.0" encoding="utf-8"?>
 <p:sld xmlns:a="http://schemas.openxmlformats.org/drawingml/2006/main" xmlns:r="http://schemas.openxmlformats.org/officeDocument/2006/relationships" xmlns:p="http://schemas.openxmlformats.org/presentationml/2006/main">
   <p:cSld>
@@ -6981,25 +7674,45 @@
         </p:nvSpPr>
         <p:spPr/>
         <p:txBody>
-          <a:bodyPr/>
-          <a:lstStyle/>
+          <a:bodyPr>
+            <a:normAutofit/>
+          </a:bodyPr>
+          <a:lstStyle/>
+          <a:p>
+            <a:pPr marL="0" indent="0">
+              <a:buNone/>
+            </a:pPr>
+            <a:endParaRPr lang="en-US" dirty="0"/>
+          </a:p>
           <a:p>
             <a:r>
               <a:rPr lang="en-US" dirty="0"/>
-              <a:t>What is the problem that the visualization will try to explain or solve? </a:t>
+              <a:t>For what purpose do people use their bike downtown?</a:t>
             </a:r>
           </a:p>
           <a:p>
             <a:r>
               <a:rPr lang="en-US" dirty="0"/>
-              <a:t>Why is this problem important? </a:t>
+              <a:t>And which routes do they take?</a:t>
             </a:r>
           </a:p>
           <a:p>
             <a:r>
               <a:rPr lang="en-US" dirty="0"/>
-              <a:t>Why is this problem complex?</a:t>
-            </a:r>
+              <a:t>Is it faster/easier than using the car?</a:t>
+            </a:r>
+          </a:p>
+          <a:p>
+            <a:pPr marL="0" indent="0">
+              <a:buNone/>
+            </a:pPr>
+            <a:endParaRPr lang="en-US" dirty="0"/>
+          </a:p>
+          <a:p>
+            <a:pPr marL="0" indent="0">
+              <a:buNone/>
+            </a:pPr>
+            <a:endParaRPr lang="en-US" dirty="0"/>
           </a:p>
         </p:txBody>
       </p:sp>
@@ -7279,45 +7992,115 @@
           <a:bodyPr/>
           <a:lstStyle/>
           <a:p>
+            <a:pPr marL="0" indent="0">
+              <a:buNone/>
+            </a:pPr>
             <a:r>
               <a:rPr lang="en-US" dirty="0"/>
-              <a:t> Antwerp Open Data: </a:t>
+              <a:t>2 possible cities:</a:t>
             </a:r>
           </a:p>
           <a:p>
             <a:pPr lvl="1"/>
             <a:r>
-              <a:rPr lang="en-US" dirty="0" err="1"/>
-              <a:t>Fietsgebruik</a:t>
-            </a:r>
-            <a:r>
               <a:rPr lang="en-US" dirty="0"/>
-              <a:t> </a:t>
-            </a:r>
-            <a:r>
-              <a:rPr lang="en-US" dirty="0" err="1"/>
-              <a:t>mei</a:t>
-            </a:r>
+              <a:t>Washington</a:t>
+            </a:r>
+          </a:p>
+          <a:p>
+            <a:pPr lvl="2">
+              <a:buFont typeface="Courier New" panose="02070309020205020404" pitchFamily="49" charset="0"/>
+              <a:buChar char="o"/>
+            </a:pPr>
             <a:r>
               <a:rPr lang="en-US" dirty="0"/>
-              <a:t> 2015</a:t>
-            </a:r>
+              <a:t>Rental city bikes (Capital bikeshare)</a:t>
+            </a:r>
+          </a:p>
+          <a:p>
+            <a:pPr lvl="2">
+              <a:buFont typeface="Courier New" panose="02070309020205020404" pitchFamily="49" charset="0"/>
+              <a:buChar char="o"/>
+            </a:pPr>
+            <a:r>
+              <a:rPr lang="en-US" dirty="0"/>
+              <a:t>2010-2018</a:t>
+            </a:r>
+          </a:p>
+          <a:p>
+            <a:pPr lvl="2">
+              <a:buFont typeface="Courier New" panose="02070309020205020404" pitchFamily="49" charset="0"/>
+              <a:buChar char="o"/>
+            </a:pPr>
+            <a:r>
+              <a:rPr lang="en-US" dirty="0"/>
+              <a:t>Timing and station marking</a:t>
+            </a:r>
+          </a:p>
+          <a:p>
+            <a:pPr lvl="2">
+              <a:buFont typeface="Courier New" panose="02070309020205020404" pitchFamily="49" charset="0"/>
+              <a:buChar char="o"/>
+            </a:pPr>
+            <a:endParaRPr lang="en-US" dirty="0"/>
           </a:p>
           <a:p>
             <a:pPr lvl="1"/>
             <a:r>
               <a:rPr lang="en-US" dirty="0"/>
-              <a:t>Zone 30</a:t>
-            </a:r>
+              <a:t>Antwerp</a:t>
+            </a:r>
+          </a:p>
+          <a:p>
+            <a:pPr lvl="2">
+              <a:buFont typeface="Courier New" panose="02070309020205020404" pitchFamily="49" charset="0"/>
+              <a:buChar char="o"/>
+            </a:pPr>
+            <a:r>
+              <a:rPr lang="en-US" dirty="0"/>
+              <a:t>European cycling challenge 2015 (Cycling365)</a:t>
+            </a:r>
+          </a:p>
+          <a:p>
+            <a:pPr lvl="2">
+              <a:buFont typeface="Courier New" panose="02070309020205020404" pitchFamily="49" charset="0"/>
+              <a:buChar char="o"/>
+            </a:pPr>
+            <a:r>
+              <a:rPr lang="en-US" dirty="0"/>
+              <a:t>May 2015</a:t>
+            </a:r>
+          </a:p>
+          <a:p>
+            <a:pPr lvl="2">
+              <a:buFont typeface="Courier New" panose="02070309020205020404" pitchFamily="49" charset="0"/>
+              <a:buChar char="o"/>
+            </a:pPr>
+            <a:r>
+              <a:rPr lang="en-US" dirty="0"/>
+              <a:t>Timing and GPS coordinates</a:t>
+            </a:r>
+          </a:p>
+          <a:p>
+            <a:pPr lvl="2">
+              <a:buFont typeface="Courier New" panose="02070309020205020404" pitchFamily="49" charset="0"/>
+              <a:buChar char="o"/>
+            </a:pPr>
+            <a:endParaRPr lang="en-US" dirty="0"/>
           </a:p>
           <a:p>
             <a:pPr lvl="1"/>
-            <a:r>
-              <a:rPr lang="en-US" dirty="0"/>
-              <a:t>…</a:t>
-            </a:r>
-          </a:p>
-          <a:p>
+            <a:endParaRPr lang="en-US" dirty="0"/>
+          </a:p>
+          <a:p>
+            <a:pPr lvl="1"/>
+            <a:endParaRPr lang="en-US" dirty="0"/>
+          </a:p>
+          <a:p>
+            <a:pPr lvl="2">
+              <a:buFont typeface="Courier New" panose="02070309020205020404" pitchFamily="49" charset="0"/>
+              <a:buChar char="o"/>
+            </a:pPr>
             <a:endParaRPr lang="en-US" dirty="0"/>
           </a:p>
         </p:txBody>
@@ -7439,10 +8222,10 @@
       </p:grpSpPr>
       <p:sp>
         <p:nvSpPr>
-          <p:cNvPr id="2" name="Footer Placeholder 1">
+          <p:cNvPr id="2" name="Tijdelijke aanduiding voor inhoud 1">
             <a:extLst>
               <a:ext uri="{FF2B5EF4-FFF2-40B4-BE49-F238E27FC236}">
-                <a16:creationId xmlns:a16="http://schemas.microsoft.com/office/drawing/2014/main" id="{29FE6AC7-3444-0043-A0A6-EA9F68D8499E}"/>
+                <a16:creationId xmlns:a16="http://schemas.microsoft.com/office/drawing/2014/main" id="{9E708BBF-ED60-446E-A7FB-92AF6544B3F7}"/>
               </a:ext>
             </a:extLst>
           </p:cNvPr>
@@ -7450,27 +8233,225 @@
             <a:spLocks noGrp="1"/>
           </p:cNvSpPr>
           <p:nvPr>
-            <p:ph type="ftr" sz="quarter" idx="11"/>
-          </p:nvPr>
-        </p:nvSpPr>
-        <p:spPr/>
-        <p:txBody>
-          <a:bodyPr/>
-          <a:lstStyle/>
-          <a:p>
-            <a:r>
-              <a:rPr lang="nl-NL"/>
-              <a:t>Department of Computer Science</a:t>
-            </a:r>
-          </a:p>
-        </p:txBody>
-      </p:sp>
-      <p:sp>
-        <p:nvSpPr>
-          <p:cNvPr id="3" name="Slide Number Placeholder 2">
+            <p:ph idx="1"/>
+          </p:nvPr>
+        </p:nvSpPr>
+        <p:spPr/>
+        <p:txBody>
+          <a:bodyPr/>
+          <a:lstStyle/>
+          <a:p>
+            <a:r>
+              <a:rPr lang="nl-BE" dirty="0"/>
+              <a:t>The </a:t>
+            </a:r>
+            <a:r>
+              <a:rPr lang="nl-BE" dirty="0" err="1"/>
+              <a:t>city</a:t>
+            </a:r>
+            <a:r>
+              <a:rPr lang="nl-BE" dirty="0"/>
+              <a:t> of </a:t>
+            </a:r>
+            <a:r>
+              <a:rPr lang="nl-BE" dirty="0" err="1"/>
+              <a:t>Antwerp</a:t>
+            </a:r>
+            <a:r>
+              <a:rPr lang="nl-BE" dirty="0"/>
+              <a:t> has </a:t>
+            </a:r>
+            <a:r>
+              <a:rPr lang="nl-BE" dirty="0" err="1"/>
+              <a:t>introduced</a:t>
+            </a:r>
+            <a:r>
+              <a:rPr lang="nl-BE" dirty="0"/>
+              <a:t> a low </a:t>
+            </a:r>
+            <a:r>
+              <a:rPr lang="nl-BE" dirty="0" err="1"/>
+              <a:t>emission</a:t>
+            </a:r>
+            <a:r>
+              <a:rPr lang="nl-BE" dirty="0"/>
+              <a:t> zone in februari 2017</a:t>
+            </a:r>
+          </a:p>
+          <a:p>
+            <a:r>
+              <a:rPr lang="nl-BE" dirty="0"/>
+              <a:t>People are more </a:t>
+            </a:r>
+            <a:r>
+              <a:rPr lang="nl-BE" dirty="0" err="1"/>
+              <a:t>encouraged</a:t>
+            </a:r>
+            <a:r>
+              <a:rPr lang="nl-BE" dirty="0"/>
+              <a:t> </a:t>
+            </a:r>
+            <a:r>
+              <a:rPr lang="nl-BE" dirty="0" err="1"/>
+              <a:t>to</a:t>
+            </a:r>
+            <a:r>
+              <a:rPr lang="nl-BE" dirty="0"/>
+              <a:t> </a:t>
+            </a:r>
+            <a:r>
+              <a:rPr lang="nl-BE" dirty="0" err="1"/>
+              <a:t>use</a:t>
+            </a:r>
+            <a:r>
+              <a:rPr lang="nl-BE" dirty="0"/>
+              <a:t> green </a:t>
+            </a:r>
+            <a:r>
+              <a:rPr lang="nl-BE" dirty="0" err="1"/>
+              <a:t>alternatives</a:t>
+            </a:r>
+            <a:endParaRPr lang="nl-BE" dirty="0"/>
+          </a:p>
+          <a:p>
+            <a:pPr marL="0" indent="0">
+              <a:buNone/>
+            </a:pPr>
+            <a:endParaRPr lang="nl-BE" dirty="0"/>
+          </a:p>
+          <a:p>
+            <a:r>
+              <a:rPr lang="nl-BE" dirty="0"/>
+              <a:t>For </a:t>
+            </a:r>
+            <a:r>
+              <a:rPr lang="nl-BE" dirty="0" err="1"/>
+              <a:t>what</a:t>
+            </a:r>
+            <a:r>
+              <a:rPr lang="nl-BE" dirty="0"/>
+              <a:t> </a:t>
+            </a:r>
+            <a:r>
+              <a:rPr lang="nl-BE" dirty="0" err="1"/>
+              <a:t>purpose</a:t>
+            </a:r>
+            <a:r>
+              <a:rPr lang="nl-BE" dirty="0"/>
+              <a:t> </a:t>
+            </a:r>
+            <a:r>
+              <a:rPr lang="nl-BE" dirty="0" err="1"/>
+              <a:t>did</a:t>
+            </a:r>
+            <a:r>
+              <a:rPr lang="nl-BE" dirty="0"/>
+              <a:t> </a:t>
+            </a:r>
+            <a:r>
+              <a:rPr lang="nl-BE" dirty="0" err="1"/>
+              <a:t>citizens</a:t>
+            </a:r>
+            <a:r>
+              <a:rPr lang="nl-BE" dirty="0"/>
+              <a:t> </a:t>
+            </a:r>
+            <a:r>
+              <a:rPr lang="nl-BE" dirty="0" err="1"/>
+              <a:t>use</a:t>
+            </a:r>
+            <a:r>
+              <a:rPr lang="nl-BE" dirty="0"/>
+              <a:t> </a:t>
+            </a:r>
+            <a:r>
+              <a:rPr lang="nl-BE" dirty="0" err="1"/>
+              <a:t>their</a:t>
+            </a:r>
+            <a:r>
+              <a:rPr lang="nl-BE" dirty="0"/>
+              <a:t> bike beforehand?</a:t>
+            </a:r>
+          </a:p>
+          <a:p>
+            <a:r>
+              <a:rPr lang="nl-BE" dirty="0" err="1"/>
+              <a:t>Can</a:t>
+            </a:r>
+            <a:r>
+              <a:rPr lang="nl-BE" dirty="0"/>
+              <a:t> </a:t>
+            </a:r>
+            <a:r>
+              <a:rPr lang="nl-BE" dirty="0" err="1"/>
+              <a:t>the</a:t>
+            </a:r>
+            <a:r>
+              <a:rPr lang="nl-BE" dirty="0"/>
+              <a:t> bike make </a:t>
+            </a:r>
+            <a:r>
+              <a:rPr lang="nl-BE" dirty="0" err="1"/>
+              <a:t>the</a:t>
+            </a:r>
+            <a:r>
+              <a:rPr lang="nl-BE" dirty="0"/>
+              <a:t> </a:t>
+            </a:r>
+            <a:r>
+              <a:rPr lang="nl-BE" dirty="0" err="1"/>
+              <a:t>car</a:t>
+            </a:r>
+            <a:r>
+              <a:rPr lang="nl-BE" dirty="0"/>
+              <a:t> obsolete?</a:t>
+            </a:r>
+          </a:p>
+          <a:p>
+            <a:endParaRPr lang="nl-BE" dirty="0"/>
+          </a:p>
+          <a:p>
+            <a:r>
+              <a:rPr lang="nl-BE" dirty="0" err="1"/>
+              <a:t>Many</a:t>
+            </a:r>
+            <a:r>
+              <a:rPr lang="nl-BE" dirty="0"/>
+              <a:t> datasets </a:t>
+            </a:r>
+            <a:r>
+              <a:rPr lang="nl-BE" dirty="0" err="1"/>
+              <a:t>about</a:t>
+            </a:r>
+            <a:r>
+              <a:rPr lang="nl-BE" dirty="0"/>
+              <a:t> </a:t>
+            </a:r>
+            <a:r>
+              <a:rPr lang="nl-BE" dirty="0" err="1"/>
+              <a:t>city</a:t>
+            </a:r>
+            <a:r>
+              <a:rPr lang="nl-BE" dirty="0"/>
+              <a:t> </a:t>
+            </a:r>
+            <a:r>
+              <a:rPr lang="nl-BE" dirty="0" err="1"/>
+              <a:t>available</a:t>
+            </a:r>
+            <a:r>
+              <a:rPr lang="nl-BE" dirty="0"/>
+              <a:t> at http://opendata.antwerpen.be</a:t>
+            </a:r>
+          </a:p>
+        </p:txBody>
+      </p:sp>
+      <p:sp>
+        <p:nvSpPr>
+          <p:cNvPr id="3" name="Tijdelijke aanduiding voor voettekst 2">
             <a:extLst>
               <a:ext uri="{FF2B5EF4-FFF2-40B4-BE49-F238E27FC236}">
-                <a16:creationId xmlns:a16="http://schemas.microsoft.com/office/drawing/2014/main" id="{7510BCF3-228B-DB4E-A3BE-F63D518F004F}"/>
+                <a16:creationId xmlns:a16="http://schemas.microsoft.com/office/drawing/2014/main" id="{5CFAA543-E8E6-4482-8AAB-9B58DFFDCAB7}"/>
               </a:ext>
             </a:extLst>
           </p:cNvPr>
@@ -7478,6 +8459,34 @@
             <a:spLocks noGrp="1"/>
           </p:cNvSpPr>
           <p:nvPr>
+            <p:ph type="ftr" sz="quarter" idx="11"/>
+          </p:nvPr>
+        </p:nvSpPr>
+        <p:spPr/>
+        <p:txBody>
+          <a:bodyPr/>
+          <a:lstStyle/>
+          <a:p>
+            <a:r>
+              <a:rPr lang="nl-NL"/>
+              <a:t>Department of Computer Science</a:t>
+            </a:r>
+          </a:p>
+        </p:txBody>
+      </p:sp>
+      <p:sp>
+        <p:nvSpPr>
+          <p:cNvPr id="4" name="Tijdelijke aanduiding voor dianummer 3">
+            <a:extLst>
+              <a:ext uri="{FF2B5EF4-FFF2-40B4-BE49-F238E27FC236}">
+                <a16:creationId xmlns:a16="http://schemas.microsoft.com/office/drawing/2014/main" id="{38172E47-7B0C-4F02-AD13-F1366F3C679B}"/>
+              </a:ext>
+            </a:extLst>
+          </p:cNvPr>
+          <p:cNvSpPr>
+            <a:spLocks noGrp="1"/>
+          </p:cNvSpPr>
+          <p:nvPr>
             <p:ph type="sldNum" sz="quarter" idx="12"/>
           </p:nvPr>
         </p:nvSpPr>
@@ -7486,7 +8495,7 @@
           <a:bodyPr/>
           <a:lstStyle/>
           <a:p>
-            <a:fld id="{CF179DAE-D0A6-40C3-B8BC-6A97C268D03A}" type="slidenum">
+            <a:fld id="{0A297500-7527-634B-90F4-69D0994C32B4}" type="slidenum">
               <a:rPr lang="nl-NL" smtClean="0"/>
               <a:t>6</a:t>
             </a:fld>
@@ -7496,10 +8505,10 @@
       </p:sp>
       <p:sp>
         <p:nvSpPr>
-          <p:cNvPr id="4" name="Title 3">
+          <p:cNvPr id="5" name="Titel 4">
             <a:extLst>
               <a:ext uri="{FF2B5EF4-FFF2-40B4-BE49-F238E27FC236}">
-                <a16:creationId xmlns:a16="http://schemas.microsoft.com/office/drawing/2014/main" id="{8C069189-722B-5446-A383-69B9C5B5355E}"/>
+                <a16:creationId xmlns:a16="http://schemas.microsoft.com/office/drawing/2014/main" id="{4B20E738-FBDE-4426-8A2F-A7DA1D9DF414}"/>
               </a:ext>
             </a:extLst>
           </p:cNvPr>
@@ -7516,41 +8525,33 @@
           <a:lstStyle/>
           <a:p>
             <a:r>
-              <a:rPr lang="en-US" dirty="0"/>
-              <a:t>Insights</a:t>
-            </a:r>
-          </a:p>
-        </p:txBody>
-      </p:sp>
-      <p:sp>
-        <p:nvSpPr>
-          <p:cNvPr id="5" name="Text Placeholder 4">
-            <a:extLst>
-              <a:ext uri="{FF2B5EF4-FFF2-40B4-BE49-F238E27FC236}">
-                <a16:creationId xmlns:a16="http://schemas.microsoft.com/office/drawing/2014/main" id="{AE340D7A-DC4C-AF46-9448-BE9EE7FC58A9}"/>
-              </a:ext>
-            </a:extLst>
-          </p:cNvPr>
-          <p:cNvSpPr>
-            <a:spLocks noGrp="1"/>
-          </p:cNvSpPr>
-          <p:nvPr>
-            <p:ph type="body" idx="1"/>
-          </p:nvPr>
-        </p:nvSpPr>
-        <p:spPr/>
-        <p:txBody>
-          <a:bodyPr/>
-          <a:lstStyle/>
-          <a:p>
-            <a:endParaRPr lang="en-US"/>
+              <a:rPr lang="nl-BE" dirty="0" err="1"/>
+              <a:t>Motivation</a:t>
+            </a:r>
+            <a:r>
+              <a:rPr lang="nl-BE" dirty="0"/>
+              <a:t>: </a:t>
+            </a:r>
+            <a:r>
+              <a:rPr lang="nl-BE" dirty="0" err="1"/>
+              <a:t>biking</a:t>
+            </a:r>
+            <a:r>
+              <a:rPr lang="nl-BE" dirty="0"/>
+              <a:t> in </a:t>
+            </a:r>
+            <a:r>
+              <a:rPr lang="nl-BE" dirty="0" err="1"/>
+              <a:t>Antwerp</a:t>
+            </a:r>
+            <a:endParaRPr lang="en-GB" dirty="0"/>
           </a:p>
         </p:txBody>
       </p:sp>
     </p:spTree>
     <p:extLst>
       <p:ext uri="{BB962C8B-B14F-4D97-AF65-F5344CB8AC3E}">
-        <p14:creationId xmlns:p14="http://schemas.microsoft.com/office/powerpoint/2010/main" val="306272792"/>
+        <p14:creationId xmlns:p14="http://schemas.microsoft.com/office/powerpoint/2010/main" val="1209352862"/>
       </p:ext>
     </p:extLst>
   </p:cSld>
@@ -7579,10 +8580,10 @@
       </p:grpSpPr>
       <p:sp>
         <p:nvSpPr>
-          <p:cNvPr id="2" name="Content Placeholder 1">
+          <p:cNvPr id="2" name="Tijdelijke aanduiding voor inhoud 1">
             <a:extLst>
               <a:ext uri="{FF2B5EF4-FFF2-40B4-BE49-F238E27FC236}">
-                <a16:creationId xmlns:a16="http://schemas.microsoft.com/office/drawing/2014/main" id="{BA6C51BD-4534-DF42-89B5-1F6E8FA09C41}"/>
+                <a16:creationId xmlns:a16="http://schemas.microsoft.com/office/drawing/2014/main" id="{5F372A5E-FC6E-4913-A7AB-7D4F6508C5C7}"/>
               </a:ext>
             </a:extLst>
           </p:cNvPr>
@@ -7595,28 +8596,160 @@
         </p:nvSpPr>
         <p:spPr/>
         <p:txBody>
-          <a:bodyPr/>
-          <a:lstStyle/>
-          <a:p>
-            <a:r>
-              <a:rPr lang="en-US" dirty="0"/>
-              <a:t>What data-driven insight(s) do you expect your visualization to reveal?</a:t>
-            </a:r>
-          </a:p>
-          <a:p>
-            <a:r>
-              <a:rPr lang="en-US" dirty="0"/>
-              <a:t>Show them with rough data representations (e.g. Excel, Tableau).</a:t>
-            </a:r>
-          </a:p>
-        </p:txBody>
-      </p:sp>
-      <p:sp>
-        <p:nvSpPr>
-          <p:cNvPr id="3" name="Footer Placeholder 2">
+          <a:bodyPr>
+            <a:normAutofit fontScale="62500" lnSpcReduction="20000"/>
+          </a:bodyPr>
+          <a:lstStyle/>
+          <a:p>
+            <a:pPr marL="0" indent="0">
+              <a:buNone/>
+            </a:pPr>
+            <a:r>
+              <a:rPr lang="en-GB" dirty="0"/>
+              <a:t>"features": [    </a:t>
+            </a:r>
+          </a:p>
+          <a:p>
+            <a:pPr marL="0" indent="0">
+              <a:buNone/>
+            </a:pPr>
+            <a:r>
+              <a:rPr lang="en-GB" dirty="0"/>
+              <a:t>{	"type": "Feature",      </a:t>
+            </a:r>
+          </a:p>
+          <a:p>
+            <a:pPr marL="0" indent="0">
+              <a:buNone/>
+            </a:pPr>
+            <a:r>
+              <a:rPr lang="en-GB" dirty="0"/>
+              <a:t>	"properties": {        	</a:t>
+            </a:r>
+          </a:p>
+          <a:p>
+            <a:pPr marL="0" indent="0">
+              <a:buNone/>
+            </a:pPr>
+            <a:r>
+              <a:rPr lang="en-GB" dirty="0"/>
+              <a:t>		"</a:t>
+            </a:r>
+            <a:r>
+              <a:rPr lang="en-GB" dirty="0" err="1"/>
+              <a:t>TripID</a:t>
+            </a:r>
+            <a:r>
+              <a:rPr lang="en-GB" dirty="0"/>
+              <a:t>": "552674bb88c537dc7a33d013",        </a:t>
+            </a:r>
+          </a:p>
+          <a:p>
+            <a:pPr marL="0" indent="0">
+              <a:buNone/>
+            </a:pPr>
+            <a:r>
+              <a:rPr lang="en-GB" dirty="0"/>
+              <a:t>		"POINTCOUNT": 41,        </a:t>
+            </a:r>
+          </a:p>
+          <a:p>
+            <a:pPr marL="0" indent="0">
+              <a:buNone/>
+            </a:pPr>
+            <a:r>
+              <a:rPr lang="en-GB" dirty="0"/>
+              <a:t>		"STARTTIME": "2015-04-09 14:43:21",        </a:t>
+            </a:r>
+          </a:p>
+          <a:p>
+            <a:pPr marL="0" indent="0">
+              <a:buNone/>
+            </a:pPr>
+            <a:r>
+              <a:rPr lang="en-GB" dirty="0"/>
+              <a:t>		"STOPTIME": "2015-04-09 14:46:41",        </a:t>
+            </a:r>
+          </a:p>
+          <a:p>
+            <a:pPr marL="0" indent="0">
+              <a:buNone/>
+            </a:pPr>
+            <a:r>
+              <a:rPr lang="en-GB" dirty="0"/>
+              <a:t>		"REAL_SPEED": 21.050561,        </a:t>
+            </a:r>
+          </a:p>
+          <a:p>
+            <a:pPr marL="0" indent="0">
+              <a:buNone/>
+            </a:pPr>
+            <a:r>
+              <a:rPr lang="en-GB" dirty="0"/>
+              <a:t>		"DIFF_TIME": 3.333333      },      </a:t>
+            </a:r>
+          </a:p>
+          <a:p>
+            <a:pPr marL="0" indent="0">
+              <a:buNone/>
+            </a:pPr>
+            <a:r>
+              <a:rPr lang="en-GB" dirty="0"/>
+              <a:t>	"geometry": {        </a:t>
+            </a:r>
+          </a:p>
+          <a:p>
+            <a:pPr marL="0" indent="0">
+              <a:buNone/>
+            </a:pPr>
+            <a:r>
+              <a:rPr lang="en-GB" dirty="0"/>
+              <a:t>		"type": "</a:t>
+            </a:r>
+            <a:r>
+              <a:rPr lang="en-GB" dirty="0" err="1"/>
+              <a:t>LineString</a:t>
+            </a:r>
+            <a:r>
+              <a:rPr lang="en-GB" dirty="0"/>
+              <a:t>",        </a:t>
+            </a:r>
+          </a:p>
+          <a:p>
+            <a:pPr marL="0" indent="0">
+              <a:buNone/>
+            </a:pPr>
+            <a:r>
+              <a:rPr lang="en-GB" dirty="0"/>
+              <a:t>		"coordinates": [          </a:t>
+            </a:r>
+          </a:p>
+          <a:p>
+            <a:pPr marL="0" indent="0">
+              <a:buNone/>
+            </a:pPr>
+            <a:r>
+              <a:rPr lang="en-GB" dirty="0"/>
+              <a:t>			[            4.398873995936325,            51.205639002415964          ],          </a:t>
+            </a:r>
+          </a:p>
+          <a:p>
+            <a:pPr marL="0" indent="0">
+              <a:buNone/>
+            </a:pPr>
+            <a:r>
+              <a:rPr lang="en-GB" dirty="0"/>
+              <a:t>			[            4.398835995936315,            51.205471002416          ],</a:t>
+            </a:r>
+          </a:p>
+        </p:txBody>
+      </p:sp>
+      <p:sp>
+        <p:nvSpPr>
+          <p:cNvPr id="3" name="Tijdelijke aanduiding voor voettekst 2">
             <a:extLst>
               <a:ext uri="{FF2B5EF4-FFF2-40B4-BE49-F238E27FC236}">
-                <a16:creationId xmlns:a16="http://schemas.microsoft.com/office/drawing/2014/main" id="{FEC0BAA2-5FE4-C14B-8D6F-F62B36CBA85B}"/>
+                <a16:creationId xmlns:a16="http://schemas.microsoft.com/office/drawing/2014/main" id="{01593412-51E6-4629-9C4E-1F3312DCA250}"/>
               </a:ext>
             </a:extLst>
           </p:cNvPr>
@@ -7641,10 +8774,10 @@
       </p:sp>
       <p:sp>
         <p:nvSpPr>
-          <p:cNvPr id="4" name="Slide Number Placeholder 3">
+          <p:cNvPr id="4" name="Tijdelijke aanduiding voor dianummer 3">
             <a:extLst>
               <a:ext uri="{FF2B5EF4-FFF2-40B4-BE49-F238E27FC236}">
-                <a16:creationId xmlns:a16="http://schemas.microsoft.com/office/drawing/2014/main" id="{F616DE06-A7B5-E346-8C9F-0B1F1EF4F927}"/>
+                <a16:creationId xmlns:a16="http://schemas.microsoft.com/office/drawing/2014/main" id="{EF40266C-71B2-4D2F-9FBC-3016F601A8BD}"/>
               </a:ext>
             </a:extLst>
           </p:cNvPr>
@@ -7670,10 +8803,10 @@
       </p:sp>
       <p:sp>
         <p:nvSpPr>
-          <p:cNvPr id="5" name="Title 4">
+          <p:cNvPr id="5" name="Titel 4">
             <a:extLst>
               <a:ext uri="{FF2B5EF4-FFF2-40B4-BE49-F238E27FC236}">
-                <a16:creationId xmlns:a16="http://schemas.microsoft.com/office/drawing/2014/main" id="{5ED9F394-B2B8-A141-BA40-DBF894D27BA1}"/>
+                <a16:creationId xmlns:a16="http://schemas.microsoft.com/office/drawing/2014/main" id="{F6BDF605-1494-4F60-98AB-A94247D6FEDB}"/>
               </a:ext>
             </a:extLst>
           </p:cNvPr>
@@ -7690,16 +8823,180 @@
           <a:lstStyle/>
           <a:p>
             <a:r>
-              <a:rPr lang="en-US" dirty="0"/>
-              <a:t>Insights</a:t>
-            </a:r>
-          </a:p>
-        </p:txBody>
-      </p:sp>
+              <a:rPr lang="nl-BE" dirty="0" err="1"/>
+              <a:t>Example</a:t>
+            </a:r>
+            <a:endParaRPr lang="en-GB" dirty="0"/>
+          </a:p>
+        </p:txBody>
+      </p:sp>
+      <p:sp>
+        <p:nvSpPr>
+          <p:cNvPr id="6" name="Tekstvak 5">
+            <a:extLst>
+              <a:ext uri="{FF2B5EF4-FFF2-40B4-BE49-F238E27FC236}">
+                <a16:creationId xmlns:a16="http://schemas.microsoft.com/office/drawing/2014/main" id="{C2EEA7EF-70E9-452D-9C70-985C6BD391E3}"/>
+              </a:ext>
+            </a:extLst>
+          </p:cNvPr>
+          <p:cNvSpPr txBox="1"/>
+          <p:nvPr/>
+        </p:nvSpPr>
+        <p:spPr>
+          <a:xfrm>
+            <a:off x="9826414" y="5332491"/>
+            <a:ext cx="2400772" cy="646331"/>
+          </a:xfrm>
+          <a:prstGeom prst="rect">
+            <a:avLst/>
+          </a:prstGeom>
+          <a:noFill/>
+          <a:ln>
+            <a:noFill/>
+          </a:ln>
+        </p:spPr>
+        <p:txBody>
+          <a:bodyPr wrap="square" rtlCol="0">
+            <a:spAutoFit/>
+          </a:bodyPr>
+          <a:lstStyle/>
+          <a:p>
+            <a:r>
+              <a:rPr lang="nl-BE" dirty="0" err="1">
+                <a:solidFill>
+                  <a:srgbClr val="FF0000"/>
+                </a:solidFill>
+              </a:rPr>
+              <a:t>Approximately</a:t>
+            </a:r>
+            <a:r>
+              <a:rPr lang="nl-BE" dirty="0">
+                <a:solidFill>
+                  <a:srgbClr val="FF0000"/>
+                </a:solidFill>
+              </a:rPr>
+              <a:t> </a:t>
+            </a:r>
+            <a:r>
+              <a:rPr lang="nl-BE" dirty="0" err="1">
+                <a:solidFill>
+                  <a:srgbClr val="FF0000"/>
+                </a:solidFill>
+              </a:rPr>
+              <a:t>every</a:t>
+            </a:r>
+            <a:r>
+              <a:rPr lang="nl-BE" dirty="0">
+                <a:solidFill>
+                  <a:srgbClr val="FF0000"/>
+                </a:solidFill>
+              </a:rPr>
+              <a:t> 5 </a:t>
+            </a:r>
+            <a:r>
+              <a:rPr lang="nl-BE" dirty="0" err="1">
+                <a:solidFill>
+                  <a:srgbClr val="FF0000"/>
+                </a:solidFill>
+              </a:rPr>
+              <a:t>seconds</a:t>
+            </a:r>
+            <a:endParaRPr lang="en-GB" dirty="0">
+              <a:solidFill>
+                <a:srgbClr val="FF0000"/>
+              </a:solidFill>
+            </a:endParaRPr>
+          </a:p>
+        </p:txBody>
+      </p:sp>
+      <p:cxnSp>
+        <p:nvCxnSpPr>
+          <p:cNvPr id="8" name="Rechte verbindingslijn met pijl 7">
+            <a:extLst>
+              <a:ext uri="{FF2B5EF4-FFF2-40B4-BE49-F238E27FC236}">
+                <a16:creationId xmlns:a16="http://schemas.microsoft.com/office/drawing/2014/main" id="{A34A3D84-5370-4478-80D1-CE15E40A1A7E}"/>
+              </a:ext>
+            </a:extLst>
+          </p:cNvPr>
+          <p:cNvCxnSpPr/>
+          <p:nvPr/>
+        </p:nvCxnSpPr>
+        <p:spPr>
+          <a:xfrm>
+            <a:off x="9162107" y="5504507"/>
+            <a:ext cx="664307" cy="0"/>
+          </a:xfrm>
+          <a:prstGeom prst="straightConnector1">
+            <a:avLst/>
+          </a:prstGeom>
+          <a:ln>
+            <a:solidFill>
+              <a:srgbClr val="FF0000"/>
+            </a:solidFill>
+            <a:tailEnd type="triangle"/>
+          </a:ln>
+        </p:spPr>
+        <p:style>
+          <a:lnRef idx="1">
+            <a:schemeClr val="accent1"/>
+          </a:lnRef>
+          <a:fillRef idx="0">
+            <a:schemeClr val="accent1"/>
+          </a:fillRef>
+          <a:effectRef idx="0">
+            <a:schemeClr val="accent1"/>
+          </a:effectRef>
+          <a:fontRef idx="minor">
+            <a:schemeClr val="tx1"/>
+          </a:fontRef>
+        </p:style>
+      </p:cxnSp>
+      <p:cxnSp>
+        <p:nvCxnSpPr>
+          <p:cNvPr id="9" name="Rechte verbindingslijn met pijl 8">
+            <a:extLst>
+              <a:ext uri="{FF2B5EF4-FFF2-40B4-BE49-F238E27FC236}">
+                <a16:creationId xmlns:a16="http://schemas.microsoft.com/office/drawing/2014/main" id="{43F20ED1-66E9-46C0-8DA9-9E05AA05918F}"/>
+              </a:ext>
+            </a:extLst>
+          </p:cNvPr>
+          <p:cNvCxnSpPr/>
+          <p:nvPr/>
+        </p:nvCxnSpPr>
+        <p:spPr>
+          <a:xfrm>
+            <a:off x="9162106" y="5828923"/>
+            <a:ext cx="664307" cy="0"/>
+          </a:xfrm>
+          <a:prstGeom prst="straightConnector1">
+            <a:avLst/>
+          </a:prstGeom>
+          <a:ln>
+            <a:solidFill>
+              <a:srgbClr val="FF0000"/>
+            </a:solidFill>
+            <a:tailEnd type="triangle"/>
+          </a:ln>
+        </p:spPr>
+        <p:style>
+          <a:lnRef idx="1">
+            <a:schemeClr val="accent1"/>
+          </a:lnRef>
+          <a:fillRef idx="0">
+            <a:schemeClr val="accent1"/>
+          </a:fillRef>
+          <a:effectRef idx="0">
+            <a:schemeClr val="accent1"/>
+          </a:effectRef>
+          <a:fontRef idx="minor">
+            <a:schemeClr val="tx1"/>
+          </a:fontRef>
+        </p:style>
+      </p:cxnSp>
     </p:spTree>
     <p:extLst>
       <p:ext uri="{BB962C8B-B14F-4D97-AF65-F5344CB8AC3E}">
-        <p14:creationId xmlns:p14="http://schemas.microsoft.com/office/powerpoint/2010/main" val="3106356198"/>
+        <p14:creationId xmlns:p14="http://schemas.microsoft.com/office/powerpoint/2010/main" val="2496565455"/>
       </p:ext>
     </p:extLst>
   </p:cSld>
@@ -7731,7 +9028,7 @@
           <p:cNvPr id="2" name="Footer Placeholder 1">
             <a:extLst>
               <a:ext uri="{FF2B5EF4-FFF2-40B4-BE49-F238E27FC236}">
-                <a16:creationId xmlns:a16="http://schemas.microsoft.com/office/drawing/2014/main" id="{74C0E64F-BD15-D84A-8AF6-7FBF81582E4E}"/>
+                <a16:creationId xmlns:a16="http://schemas.microsoft.com/office/drawing/2014/main" id="{29FE6AC7-3444-0043-A0A6-EA9F68D8499E}"/>
               </a:ext>
             </a:extLst>
           </p:cNvPr>
@@ -7759,7 +9056,7 @@
           <p:cNvPr id="3" name="Slide Number Placeholder 2">
             <a:extLst>
               <a:ext uri="{FF2B5EF4-FFF2-40B4-BE49-F238E27FC236}">
-                <a16:creationId xmlns:a16="http://schemas.microsoft.com/office/drawing/2014/main" id="{F5F1A354-80D0-D941-8914-6F7340FABBAC}"/>
+                <a16:creationId xmlns:a16="http://schemas.microsoft.com/office/drawing/2014/main" id="{7510BCF3-228B-DB4E-A3BE-F63D518F004F}"/>
               </a:ext>
             </a:extLst>
           </p:cNvPr>
@@ -7788,7 +9085,7 @@
           <p:cNvPr id="4" name="Title 3">
             <a:extLst>
               <a:ext uri="{FF2B5EF4-FFF2-40B4-BE49-F238E27FC236}">
-                <a16:creationId xmlns:a16="http://schemas.microsoft.com/office/drawing/2014/main" id="{2614A161-7B97-CE46-91B6-FD7C00FC6E78}"/>
+                <a16:creationId xmlns:a16="http://schemas.microsoft.com/office/drawing/2014/main" id="{8C069189-722B-5446-A383-69B9C5B5355E}"/>
               </a:ext>
             </a:extLst>
           </p:cNvPr>
@@ -7806,7 +9103,7 @@
           <a:p>
             <a:r>
               <a:rPr lang="en-US" dirty="0"/>
-              <a:t>Design rationale</a:t>
+              <a:t>Insights</a:t>
             </a:r>
           </a:p>
         </p:txBody>
@@ -7816,7 +9113,7 @@
           <p:cNvPr id="5" name="Text Placeholder 4">
             <a:extLst>
               <a:ext uri="{FF2B5EF4-FFF2-40B4-BE49-F238E27FC236}">
-                <a16:creationId xmlns:a16="http://schemas.microsoft.com/office/drawing/2014/main" id="{1EA31E97-D461-724B-9BC9-745EB20990C5}"/>
+                <a16:creationId xmlns:a16="http://schemas.microsoft.com/office/drawing/2014/main" id="{AE340D7A-DC4C-AF46-9448-BE9EE7FC58A9}"/>
               </a:ext>
             </a:extLst>
           </p:cNvPr>
@@ -7839,7 +9136,7 @@
     </p:spTree>
     <p:extLst>
       <p:ext uri="{BB962C8B-B14F-4D97-AF65-F5344CB8AC3E}">
-        <p14:creationId xmlns:p14="http://schemas.microsoft.com/office/powerpoint/2010/main" val="3481877572"/>
+        <p14:creationId xmlns:p14="http://schemas.microsoft.com/office/powerpoint/2010/main" val="306272792"/>
       </p:ext>
     </p:extLst>
   </p:cSld>
@@ -7868,10 +9165,44 @@
       </p:grpSpPr>
       <p:sp>
         <p:nvSpPr>
+          <p:cNvPr id="2" name="Content Placeholder 1">
+            <a:extLst>
+              <a:ext uri="{FF2B5EF4-FFF2-40B4-BE49-F238E27FC236}">
+                <a16:creationId xmlns:a16="http://schemas.microsoft.com/office/drawing/2014/main" id="{BA6C51BD-4534-DF42-89B5-1F6E8FA09C41}"/>
+              </a:ext>
+            </a:extLst>
+          </p:cNvPr>
+          <p:cNvSpPr>
+            <a:spLocks noGrp="1"/>
+          </p:cNvSpPr>
+          <p:nvPr>
+            <p:ph idx="1"/>
+          </p:nvPr>
+        </p:nvSpPr>
+        <p:spPr/>
+        <p:txBody>
+          <a:bodyPr/>
+          <a:lstStyle/>
+          <a:p>
+            <a:r>
+              <a:rPr lang="en-US" dirty="0"/>
+              <a:t>What data-driven insight(s) do you expect your visualization to reveal?</a:t>
+            </a:r>
+          </a:p>
+          <a:p>
+            <a:r>
+              <a:rPr lang="en-US" dirty="0"/>
+              <a:t>Show them with rough data representations (e.g. Excel, Tableau).</a:t>
+            </a:r>
+          </a:p>
+        </p:txBody>
+      </p:sp>
+      <p:sp>
+        <p:nvSpPr>
           <p:cNvPr id="3" name="Footer Placeholder 2">
             <a:extLst>
               <a:ext uri="{FF2B5EF4-FFF2-40B4-BE49-F238E27FC236}">
-                <a16:creationId xmlns:a16="http://schemas.microsoft.com/office/drawing/2014/main" id="{3A9583CE-C884-B347-B01B-5904C9ECCBE8}"/>
+                <a16:creationId xmlns:a16="http://schemas.microsoft.com/office/drawing/2014/main" id="{FEC0BAA2-5FE4-C14B-8D6F-F62B36CBA85B}"/>
               </a:ext>
             </a:extLst>
           </p:cNvPr>
@@ -7899,7 +9230,7 @@
           <p:cNvPr id="4" name="Slide Number Placeholder 3">
             <a:extLst>
               <a:ext uri="{FF2B5EF4-FFF2-40B4-BE49-F238E27FC236}">
-                <a16:creationId xmlns:a16="http://schemas.microsoft.com/office/drawing/2014/main" id="{66EED558-8C56-274A-97D7-127CBA9B66B7}"/>
+                <a16:creationId xmlns:a16="http://schemas.microsoft.com/office/drawing/2014/main" id="{F616DE06-A7B5-E346-8C9F-0B1F1EF4F927}"/>
               </a:ext>
             </a:extLst>
           </p:cNvPr>
@@ -7928,7 +9259,7 @@
           <p:cNvPr id="5" name="Title 4">
             <a:extLst>
               <a:ext uri="{FF2B5EF4-FFF2-40B4-BE49-F238E27FC236}">
-                <a16:creationId xmlns:a16="http://schemas.microsoft.com/office/drawing/2014/main" id="{488245B9-E66C-2E45-BF0F-F4862FF13126}"/>
+                <a16:creationId xmlns:a16="http://schemas.microsoft.com/office/drawing/2014/main" id="{5ED9F394-B2B8-A141-BA40-DBF894D27BA1}"/>
               </a:ext>
             </a:extLst>
           </p:cNvPr>
@@ -7946,217 +9277,7 @@
           <a:p>
             <a:r>
               <a:rPr lang="en-US" dirty="0"/>
-              <a:t>Design inspiration </a:t>
-            </a:r>
-          </a:p>
-        </p:txBody>
-      </p:sp>
-      <p:sp>
-        <p:nvSpPr>
-          <p:cNvPr id="6" name="Rectangle 5">
-            <a:extLst>
-              <a:ext uri="{FF2B5EF4-FFF2-40B4-BE49-F238E27FC236}">
-                <a16:creationId xmlns:a16="http://schemas.microsoft.com/office/drawing/2014/main" id="{43F5049D-F45D-A746-AF79-25BB107C99C6}"/>
-              </a:ext>
-            </a:extLst>
-          </p:cNvPr>
-          <p:cNvSpPr/>
-          <p:nvPr/>
-        </p:nvSpPr>
-        <p:spPr>
-          <a:xfrm>
-            <a:off x="576000" y="1391676"/>
-            <a:ext cx="11041200" cy="830997"/>
-          </a:xfrm>
-          <a:prstGeom prst="rect">
-            <a:avLst/>
-          </a:prstGeom>
-        </p:spPr>
-        <p:txBody>
-          <a:bodyPr wrap="square">
-            <a:spAutoFit/>
-          </a:bodyPr>
-          <a:lstStyle/>
-          <a:p>
-            <a:r>
-              <a:rPr lang="en-US" sz="2400" dirty="0"/>
-              <a:t>What are other works that are inspirational to your design? </a:t>
-            </a:r>
-          </a:p>
-          <a:p>
-            <a:r>
-              <a:rPr lang="en-US" sz="2400" dirty="0"/>
-              <a:t>How might they inspire your design?</a:t>
-            </a:r>
-          </a:p>
-        </p:txBody>
-      </p:sp>
-      <p:sp>
-        <p:nvSpPr>
-          <p:cNvPr id="8" name="Rectangle 7">
-            <a:extLst>
-              <a:ext uri="{FF2B5EF4-FFF2-40B4-BE49-F238E27FC236}">
-                <a16:creationId xmlns:a16="http://schemas.microsoft.com/office/drawing/2014/main" id="{91C35A8C-29EE-AD49-A6CD-27D78BECDC7C}"/>
-              </a:ext>
-            </a:extLst>
-          </p:cNvPr>
-          <p:cNvSpPr/>
-          <p:nvPr/>
-        </p:nvSpPr>
-        <p:spPr>
-          <a:xfrm>
-            <a:off x="1026806" y="4745176"/>
-            <a:ext cx="2421788" cy="276999"/>
-          </a:xfrm>
-          <a:prstGeom prst="rect">
-            <a:avLst/>
-          </a:prstGeom>
-        </p:spPr>
-        <p:txBody>
-          <a:bodyPr wrap="square">
-            <a:spAutoFit/>
-          </a:bodyPr>
-          <a:lstStyle/>
-          <a:p>
-            <a:r>
-              <a:rPr lang="en-US" sz="1200" dirty="0"/>
-              <a:t>https://www.strava.com/heatmap</a:t>
-            </a:r>
-          </a:p>
-        </p:txBody>
-      </p:sp>
-      <p:sp>
-        <p:nvSpPr>
-          <p:cNvPr id="7" name="Tijdelijke aanduiding voor inhoud 6">
-            <a:extLst>
-              <a:ext uri="{FF2B5EF4-FFF2-40B4-BE49-F238E27FC236}">
-                <a16:creationId xmlns:a16="http://schemas.microsoft.com/office/drawing/2014/main" id="{D0ACE5B7-AF84-448E-AA50-D0E375721D7F}"/>
-              </a:ext>
-            </a:extLst>
-          </p:cNvPr>
-          <p:cNvSpPr>
-            <a:spLocks noGrp="1"/>
-          </p:cNvSpPr>
-          <p:nvPr>
-            <p:ph idx="1"/>
-          </p:nvPr>
-        </p:nvSpPr>
-        <p:spPr>
-          <a:xfrm>
-            <a:off x="637800" y="2414147"/>
-            <a:ext cx="3533606" cy="599019"/>
-          </a:xfrm>
-        </p:spPr>
-        <p:txBody>
-          <a:bodyPr/>
-          <a:lstStyle/>
-          <a:p>
-            <a:pPr marL="0" indent="0">
-              <a:buNone/>
-            </a:pPr>
-            <a:r>
-              <a:rPr lang="nl-BE" dirty="0" err="1"/>
-              <a:t>Strava</a:t>
-            </a:r>
-            <a:r>
-              <a:rPr lang="nl-BE" dirty="0"/>
-              <a:t> Global </a:t>
-            </a:r>
-            <a:r>
-              <a:rPr lang="nl-BE" dirty="0" err="1"/>
-              <a:t>Heatmap</a:t>
-            </a:r>
-            <a:endParaRPr lang="nl-BE" dirty="0"/>
-          </a:p>
-          <a:p>
-            <a:pPr marL="0" indent="0">
-              <a:buNone/>
-            </a:pPr>
-            <a:endParaRPr lang="nl-BE" dirty="0"/>
-          </a:p>
-        </p:txBody>
-      </p:sp>
-      <p:pic>
-        <p:nvPicPr>
-          <p:cNvPr id="9" name="Afbeelding 8">
-            <a:extLst>
-              <a:ext uri="{FF2B5EF4-FFF2-40B4-BE49-F238E27FC236}">
-                <a16:creationId xmlns:a16="http://schemas.microsoft.com/office/drawing/2014/main" id="{2CD62342-4DDF-4715-A923-D6FB65299DC9}"/>
-              </a:ext>
-            </a:extLst>
-          </p:cNvPr>
-          <p:cNvPicPr>
-            <a:picLocks noChangeAspect="1"/>
-          </p:cNvPicPr>
-          <p:nvPr/>
-        </p:nvPicPr>
-        <p:blipFill>
-          <a:blip r:embed="rId2"/>
-          <a:stretch>
-            <a:fillRect/>
-          </a:stretch>
-        </p:blipFill>
-        <p:spPr>
-          <a:xfrm>
-            <a:off x="728799" y="2875021"/>
-            <a:ext cx="3155224" cy="1818505"/>
-          </a:xfrm>
-          <a:prstGeom prst="rect">
-            <a:avLst/>
-          </a:prstGeom>
-        </p:spPr>
-      </p:pic>
-      <p:sp>
-        <p:nvSpPr>
-          <p:cNvPr id="11" name="Tekstvak 10">
-            <a:extLst>
-              <a:ext uri="{FF2B5EF4-FFF2-40B4-BE49-F238E27FC236}">
-                <a16:creationId xmlns:a16="http://schemas.microsoft.com/office/drawing/2014/main" id="{2AB94FAE-2915-49A4-92F4-F1C7DB7D6143}"/>
-              </a:ext>
-            </a:extLst>
-          </p:cNvPr>
-          <p:cNvSpPr txBox="1"/>
-          <p:nvPr/>
-        </p:nvSpPr>
-        <p:spPr>
-          <a:xfrm>
-            <a:off x="566191" y="5234841"/>
-            <a:ext cx="3480440" cy="369332"/>
-          </a:xfrm>
-          <a:prstGeom prst="rect">
-            <a:avLst/>
-          </a:prstGeom>
-          <a:noFill/>
-        </p:spPr>
-        <p:txBody>
-          <a:bodyPr wrap="none" rtlCol="0">
-            <a:spAutoFit/>
-          </a:bodyPr>
-          <a:lstStyle/>
-          <a:p>
-            <a:r>
-              <a:rPr lang="nl-BE" dirty="0" err="1"/>
-              <a:t>Heatmap</a:t>
-            </a:r>
-            <a:r>
-              <a:rPr lang="nl-BE" dirty="0"/>
-              <a:t> </a:t>
-            </a:r>
-            <a:r>
-              <a:rPr lang="nl-BE" dirty="0" err="1"/>
-              <a:t>from</a:t>
-            </a:r>
-            <a:r>
-              <a:rPr lang="nl-BE" dirty="0"/>
-              <a:t> routes, </a:t>
-            </a:r>
-            <a:r>
-              <a:rPr lang="nl-BE" dirty="0" err="1"/>
-              <a:t>not</a:t>
-            </a:r>
-            <a:r>
-              <a:rPr lang="nl-BE" dirty="0"/>
-              <a:t> points</a:t>
+              <a:t>Insights</a:t>
             </a:r>
           </a:p>
         </p:txBody>
@@ -8164,7 +9285,7 @@
     </p:spTree>
     <p:extLst>
       <p:ext uri="{BB962C8B-B14F-4D97-AF65-F5344CB8AC3E}">
-        <p14:creationId xmlns:p14="http://schemas.microsoft.com/office/powerpoint/2010/main" val="2124282956"/>
+        <p14:creationId xmlns:p14="http://schemas.microsoft.com/office/powerpoint/2010/main" val="3106356198"/>
       </p:ext>
     </p:extLst>
   </p:cSld>

--- a/Presentations/infovis intermediate presentation.pptx
+++ b/Presentations/infovis intermediate presentation.pptx
@@ -852,6 +852,375 @@
     <p:extLst>
       <p:ext uri="{BB962C8B-B14F-4D97-AF65-F5344CB8AC3E}">
         <p14:creationId xmlns:p14="http://schemas.microsoft.com/office/powerpoint/2010/main" val="2795077521"/>
+      </p:ext>
+    </p:extLst>
+  </p:cSld>
+  <p:clrMapOvr>
+    <a:masterClrMapping/>
+  </p:clrMapOvr>
+</p:notes>
+</file>
+
+<file path=ppt/notesSlides/notesSlide3.xml><?xml version="1.0" encoding="utf-8"?>
+<p:notes xmlns:a="http://schemas.openxmlformats.org/drawingml/2006/main" xmlns:r="http://schemas.openxmlformats.org/officeDocument/2006/relationships" xmlns:p="http://schemas.openxmlformats.org/presentationml/2006/main">
+  <p:cSld>
+    <p:spTree>
+      <p:nvGrpSpPr>
+        <p:cNvPr id="1" name=""/>
+        <p:cNvGrpSpPr/>
+        <p:nvPr/>
+      </p:nvGrpSpPr>
+      <p:grpSpPr>
+        <a:xfrm>
+          <a:off x="0" y="0"/>
+          <a:ext cx="0" cy="0"/>
+          <a:chOff x="0" y="0"/>
+          <a:chExt cx="0" cy="0"/>
+        </a:xfrm>
+      </p:grpSpPr>
+      <p:sp>
+        <p:nvSpPr>
+          <p:cNvPr id="2" name="Tijdelijke aanduiding voor dia-afbeelding 1"/>
+          <p:cNvSpPr>
+            <a:spLocks noGrp="1" noRot="1" noChangeAspect="1"/>
+          </p:cNvSpPr>
+          <p:nvPr>
+            <p:ph type="sldImg"/>
+          </p:nvPr>
+        </p:nvSpPr>
+        <p:spPr/>
+      </p:sp>
+      <p:sp>
+        <p:nvSpPr>
+          <p:cNvPr id="3" name="Tijdelijke aanduiding voor notities 2"/>
+          <p:cNvSpPr>
+            <a:spLocks noGrp="1"/>
+          </p:cNvSpPr>
+          <p:nvPr>
+            <p:ph type="body" idx="1"/>
+          </p:nvPr>
+        </p:nvSpPr>
+        <p:spPr/>
+        <p:txBody>
+          <a:bodyPr/>
+          <a:lstStyle/>
+          <a:p>
+            <a:r>
+              <a:rPr lang="nl-BE" dirty="0"/>
+              <a:t>Midas</a:t>
+            </a:r>
+          </a:p>
+        </p:txBody>
+      </p:sp>
+      <p:sp>
+        <p:nvSpPr>
+          <p:cNvPr id="4" name="Tijdelijke aanduiding voor dianummer 3"/>
+          <p:cNvSpPr>
+            <a:spLocks noGrp="1"/>
+          </p:cNvSpPr>
+          <p:nvPr>
+            <p:ph type="sldNum" sz="quarter" idx="10"/>
+          </p:nvPr>
+        </p:nvSpPr>
+        <p:spPr/>
+        <p:txBody>
+          <a:bodyPr/>
+          <a:lstStyle/>
+          <a:p>
+            <a:fld id="{8954E32A-327F-AF4B-8E1F-209FBF93D26D}" type="slidenum">
+              <a:rPr lang="nl-NL" smtClean="0"/>
+              <a:t>11</a:t>
+            </a:fld>
+            <a:endParaRPr lang="nl-NL"/>
+          </a:p>
+        </p:txBody>
+      </p:sp>
+    </p:spTree>
+    <p:extLst>
+      <p:ext uri="{BB962C8B-B14F-4D97-AF65-F5344CB8AC3E}">
+        <p14:creationId xmlns:p14="http://schemas.microsoft.com/office/powerpoint/2010/main" val="3287781673"/>
+      </p:ext>
+    </p:extLst>
+  </p:cSld>
+  <p:clrMapOvr>
+    <a:masterClrMapping/>
+  </p:clrMapOvr>
+</p:notes>
+</file>
+
+<file path=ppt/notesSlides/notesSlide4.xml><?xml version="1.0" encoding="utf-8"?>
+<p:notes xmlns:a="http://schemas.openxmlformats.org/drawingml/2006/main" xmlns:r="http://schemas.openxmlformats.org/officeDocument/2006/relationships" xmlns:p="http://schemas.openxmlformats.org/presentationml/2006/main">
+  <p:cSld>
+    <p:spTree>
+      <p:nvGrpSpPr>
+        <p:cNvPr id="1" name=""/>
+        <p:cNvGrpSpPr/>
+        <p:nvPr/>
+      </p:nvGrpSpPr>
+      <p:grpSpPr>
+        <a:xfrm>
+          <a:off x="0" y="0"/>
+          <a:ext cx="0" cy="0"/>
+          <a:chOff x="0" y="0"/>
+          <a:chExt cx="0" cy="0"/>
+        </a:xfrm>
+      </p:grpSpPr>
+      <p:sp>
+        <p:nvSpPr>
+          <p:cNvPr id="2" name="Tijdelijke aanduiding voor dia-afbeelding 1"/>
+          <p:cNvSpPr>
+            <a:spLocks noGrp="1" noRot="1" noChangeAspect="1"/>
+          </p:cNvSpPr>
+          <p:nvPr>
+            <p:ph type="sldImg"/>
+          </p:nvPr>
+        </p:nvSpPr>
+        <p:spPr/>
+      </p:sp>
+      <p:sp>
+        <p:nvSpPr>
+          <p:cNvPr id="3" name="Tijdelijke aanduiding voor notities 2"/>
+          <p:cNvSpPr>
+            <a:spLocks noGrp="1"/>
+          </p:cNvSpPr>
+          <p:nvPr>
+            <p:ph type="body" idx="1"/>
+          </p:nvPr>
+        </p:nvSpPr>
+        <p:spPr/>
+        <p:txBody>
+          <a:bodyPr/>
+          <a:lstStyle/>
+          <a:p>
+            <a:r>
+              <a:rPr lang="nl-BE" dirty="0"/>
+              <a:t>Midas</a:t>
+            </a:r>
+          </a:p>
+        </p:txBody>
+      </p:sp>
+      <p:sp>
+        <p:nvSpPr>
+          <p:cNvPr id="4" name="Tijdelijke aanduiding voor dianummer 3"/>
+          <p:cNvSpPr>
+            <a:spLocks noGrp="1"/>
+          </p:cNvSpPr>
+          <p:nvPr>
+            <p:ph type="sldNum" sz="quarter" idx="10"/>
+          </p:nvPr>
+        </p:nvSpPr>
+        <p:spPr/>
+        <p:txBody>
+          <a:bodyPr/>
+          <a:lstStyle/>
+          <a:p>
+            <a:fld id="{8954E32A-327F-AF4B-8E1F-209FBF93D26D}" type="slidenum">
+              <a:rPr lang="nl-NL" smtClean="0"/>
+              <a:t>12</a:t>
+            </a:fld>
+            <a:endParaRPr lang="nl-NL"/>
+          </a:p>
+        </p:txBody>
+      </p:sp>
+    </p:spTree>
+    <p:extLst>
+      <p:ext uri="{BB962C8B-B14F-4D97-AF65-F5344CB8AC3E}">
+        <p14:creationId xmlns:p14="http://schemas.microsoft.com/office/powerpoint/2010/main" val="3984593474"/>
+      </p:ext>
+    </p:extLst>
+  </p:cSld>
+  <p:clrMapOvr>
+    <a:masterClrMapping/>
+  </p:clrMapOvr>
+</p:notes>
+</file>
+
+<file path=ppt/notesSlides/notesSlide5.xml><?xml version="1.0" encoding="utf-8"?>
+<p:notes xmlns:a="http://schemas.openxmlformats.org/drawingml/2006/main" xmlns:r="http://schemas.openxmlformats.org/officeDocument/2006/relationships" xmlns:p="http://schemas.openxmlformats.org/presentationml/2006/main">
+  <p:cSld>
+    <p:spTree>
+      <p:nvGrpSpPr>
+        <p:cNvPr id="1" name=""/>
+        <p:cNvGrpSpPr/>
+        <p:nvPr/>
+      </p:nvGrpSpPr>
+      <p:grpSpPr>
+        <a:xfrm>
+          <a:off x="0" y="0"/>
+          <a:ext cx="0" cy="0"/>
+          <a:chOff x="0" y="0"/>
+          <a:chExt cx="0" cy="0"/>
+        </a:xfrm>
+      </p:grpSpPr>
+      <p:sp>
+        <p:nvSpPr>
+          <p:cNvPr id="2" name="Tijdelijke aanduiding voor dia-afbeelding 1"/>
+          <p:cNvSpPr>
+            <a:spLocks noGrp="1" noRot="1" noChangeAspect="1"/>
+          </p:cNvSpPr>
+          <p:nvPr>
+            <p:ph type="sldImg"/>
+          </p:nvPr>
+        </p:nvSpPr>
+        <p:spPr/>
+      </p:sp>
+      <p:sp>
+        <p:nvSpPr>
+          <p:cNvPr id="3" name="Tijdelijke aanduiding voor notities 2"/>
+          <p:cNvSpPr>
+            <a:spLocks noGrp="1"/>
+          </p:cNvSpPr>
+          <p:nvPr>
+            <p:ph type="body" idx="1"/>
+          </p:nvPr>
+        </p:nvSpPr>
+        <p:spPr/>
+        <p:txBody>
+          <a:bodyPr/>
+          <a:lstStyle/>
+          <a:p>
+            <a:r>
+              <a:rPr lang="nl-BE" dirty="0"/>
+              <a:t>Midas</a:t>
+            </a:r>
+          </a:p>
+          <a:p>
+            <a:r>
+              <a:rPr lang="nl-BE" dirty="0" err="1"/>
+              <a:t>To</a:t>
+            </a:r>
+            <a:r>
+              <a:rPr lang="nl-BE" dirty="0"/>
+              <a:t> show: </a:t>
+            </a:r>
+          </a:p>
+          <a:p>
+            <a:r>
+              <a:rPr lang="nl-BE" dirty="0"/>
+              <a:t>story() //Hier zien we een uitschieter</a:t>
+            </a:r>
+          </a:p>
+          <a:p>
+            <a:r>
+              <a:rPr lang="nl-BE" dirty="0"/>
+              <a:t>Story() // Filteren op wanneer hij </a:t>
+            </a:r>
+            <a:r>
+              <a:rPr lang="nl-BE" dirty="0" err="1"/>
+              <a:t>sochtends</a:t>
+            </a:r>
+            <a:r>
+              <a:rPr lang="nl-BE" dirty="0"/>
+              <a:t> vertrekt</a:t>
+            </a:r>
+          </a:p>
+          <a:p>
+            <a:r>
+              <a:rPr lang="nl-BE" dirty="0"/>
+              <a:t>Story() // Filteren wanneer hij aankomt</a:t>
+            </a:r>
+          </a:p>
+          <a:p>
+            <a:r>
+              <a:rPr lang="nl-BE" dirty="0"/>
+              <a:t>Story() // Nieuwe map </a:t>
+            </a:r>
+            <a:r>
+              <a:rPr lang="nl-BE" dirty="0" err="1"/>
+              <a:t>layer</a:t>
+            </a:r>
+            <a:r>
+              <a:rPr lang="nl-BE" dirty="0"/>
+              <a:t> om eenrichtingsverkeer te zien.</a:t>
+            </a:r>
+          </a:p>
+          <a:p>
+            <a:r>
+              <a:rPr lang="nl-BE" dirty="0"/>
+              <a:t>// </a:t>
+            </a:r>
+            <a:r>
+              <a:rPr lang="nl-BE" dirty="0" err="1"/>
+              <a:t>Reload</a:t>
+            </a:r>
+            <a:endParaRPr lang="nl-BE" dirty="0"/>
+          </a:p>
+          <a:p>
+            <a:r>
+              <a:rPr lang="nl-BE" dirty="0"/>
+              <a:t>storyFilter3() // Wegen die bij hem thuis vertrekken</a:t>
+            </a:r>
+          </a:p>
+          <a:p>
+            <a:r>
+              <a:rPr lang="nl-BE" dirty="0"/>
+              <a:t>storyFilter4() // Wegen die bij hem thuis aankomen</a:t>
+            </a:r>
+          </a:p>
+          <a:p>
+            <a:endParaRPr lang="nl-BE" dirty="0"/>
+          </a:p>
+          <a:p>
+            <a:r>
+              <a:rPr lang="nl-BE" dirty="0"/>
+              <a:t>// </a:t>
+            </a:r>
+            <a:r>
+              <a:rPr lang="nl-BE" dirty="0" err="1"/>
+              <a:t>Reload</a:t>
+            </a:r>
+            <a:r>
+              <a:rPr lang="nl-BE" dirty="0"/>
+              <a:t> en ga naar </a:t>
+            </a:r>
+            <a:r>
+              <a:rPr lang="nl-BE" dirty="0" err="1"/>
+              <a:t>boudewijnstraat</a:t>
+            </a:r>
+            <a:r>
+              <a:rPr lang="nl-BE" dirty="0"/>
+              <a:t> (driehoek)</a:t>
+            </a:r>
+          </a:p>
+          <a:p>
+            <a:r>
+              <a:rPr lang="nl-BE" dirty="0" err="1"/>
+              <a:t>Filter.startOrStopNear</a:t>
+            </a:r>
+            <a:r>
+              <a:rPr lang="nl-BE" dirty="0"/>
+              <a:t>([51.205171, 4.398712], 100)</a:t>
+            </a:r>
+          </a:p>
+        </p:txBody>
+      </p:sp>
+      <p:sp>
+        <p:nvSpPr>
+          <p:cNvPr id="4" name="Tijdelijke aanduiding voor dianummer 3"/>
+          <p:cNvSpPr>
+            <a:spLocks noGrp="1"/>
+          </p:cNvSpPr>
+          <p:nvPr>
+            <p:ph type="sldNum" sz="quarter" idx="10"/>
+          </p:nvPr>
+        </p:nvSpPr>
+        <p:spPr/>
+        <p:txBody>
+          <a:bodyPr/>
+          <a:lstStyle/>
+          <a:p>
+            <a:fld id="{8954E32A-327F-AF4B-8E1F-209FBF93D26D}" type="slidenum">
+              <a:rPr lang="nl-NL" smtClean="0"/>
+              <a:t>17</a:t>
+            </a:fld>
+            <a:endParaRPr lang="nl-NL"/>
+          </a:p>
+        </p:txBody>
+      </p:sp>
+    </p:spTree>
+    <p:extLst>
+      <p:ext uri="{BB962C8B-B14F-4D97-AF65-F5344CB8AC3E}">
+        <p14:creationId xmlns:p14="http://schemas.microsoft.com/office/powerpoint/2010/main" val="1029509177"/>
       </p:ext>
     </p:extLst>
   </p:cSld>
@@ -5910,46 +6279,6 @@
       </p:sp>
       <p:sp>
         <p:nvSpPr>
-          <p:cNvPr id="6" name="Rectangle 5">
-            <a:extLst>
-              <a:ext uri="{FF2B5EF4-FFF2-40B4-BE49-F238E27FC236}">
-                <a16:creationId xmlns:a16="http://schemas.microsoft.com/office/drawing/2014/main" id="{43F5049D-F45D-A746-AF79-25BB107C99C6}"/>
-              </a:ext>
-            </a:extLst>
-          </p:cNvPr>
-          <p:cNvSpPr/>
-          <p:nvPr/>
-        </p:nvSpPr>
-        <p:spPr>
-          <a:xfrm>
-            <a:off x="576000" y="1391676"/>
-            <a:ext cx="11041200" cy="830997"/>
-          </a:xfrm>
-          <a:prstGeom prst="rect">
-            <a:avLst/>
-          </a:prstGeom>
-        </p:spPr>
-        <p:txBody>
-          <a:bodyPr wrap="square">
-            <a:spAutoFit/>
-          </a:bodyPr>
-          <a:lstStyle/>
-          <a:p>
-            <a:r>
-              <a:rPr lang="en-US" sz="2400" dirty="0"/>
-              <a:t>What are other works that are inspirational to your design? </a:t>
-            </a:r>
-          </a:p>
-          <a:p>
-            <a:r>
-              <a:rPr lang="en-US" sz="2400" dirty="0"/>
-              <a:t>How might they inspire your design?</a:t>
-            </a:r>
-          </a:p>
-        </p:txBody>
-      </p:sp>
-      <p:sp>
-        <p:nvSpPr>
           <p:cNvPr id="8" name="Rectangle 7">
             <a:extLst>
               <a:ext uri="{FF2B5EF4-FFF2-40B4-BE49-F238E27FC236}">
@@ -5962,7 +6291,7 @@
         </p:nvSpPr>
         <p:spPr>
           <a:xfrm>
-            <a:off x="1026806" y="4745176"/>
+            <a:off x="1026806" y="4168127"/>
             <a:ext cx="2421788" cy="276999"/>
           </a:xfrm>
           <a:prstGeom prst="rect">
@@ -6000,7 +6329,7 @@
         </p:nvSpPr>
         <p:spPr>
           <a:xfrm>
-            <a:off x="637800" y="2414147"/>
+            <a:off x="637800" y="1837098"/>
             <a:ext cx="3533606" cy="599019"/>
           </a:xfrm>
         </p:spPr>
@@ -6048,14 +6377,14 @@
           <p:nvPr/>
         </p:nvPicPr>
         <p:blipFill>
-          <a:blip r:embed="rId2"/>
+          <a:blip r:embed="rId3"/>
           <a:stretch>
             <a:fillRect/>
           </a:stretch>
         </p:blipFill>
         <p:spPr>
           <a:xfrm>
-            <a:off x="728799" y="2875021"/>
+            <a:off x="728799" y="2297972"/>
             <a:ext cx="3155224" cy="1818505"/>
           </a:xfrm>
           <a:prstGeom prst="rect">
@@ -6077,7 +6406,7 @@
         </p:nvSpPr>
         <p:spPr>
           <a:xfrm>
-            <a:off x="566191" y="5234841"/>
+            <a:off x="566191" y="4657792"/>
             <a:ext cx="3480440" cy="369332"/>
           </a:xfrm>
           <a:prstGeom prst="rect">
@@ -6114,6 +6443,392 @@
             <a:r>
               <a:rPr lang="nl-BE" dirty="0"/>
               <a:t> points</a:t>
+            </a:r>
+          </a:p>
+        </p:txBody>
+      </p:sp>
+      <p:sp>
+        <p:nvSpPr>
+          <p:cNvPr id="10" name="Tijdelijke aanduiding voor inhoud 6">
+            <a:extLst>
+              <a:ext uri="{FF2B5EF4-FFF2-40B4-BE49-F238E27FC236}">
+                <a16:creationId xmlns:a16="http://schemas.microsoft.com/office/drawing/2014/main" id="{071CE5A3-3CE4-4E4E-B315-12135CC02FED}"/>
+              </a:ext>
+            </a:extLst>
+          </p:cNvPr>
+          <p:cNvSpPr txBox="1">
+            <a:spLocks/>
+          </p:cNvSpPr>
+          <p:nvPr/>
+        </p:nvSpPr>
+        <p:spPr>
+          <a:xfrm>
+            <a:off x="4323805" y="1837098"/>
+            <a:ext cx="3941305" cy="599019"/>
+          </a:xfrm>
+          <a:prstGeom prst="rect">
+            <a:avLst/>
+          </a:prstGeom>
+        </p:spPr>
+        <p:txBody>
+          <a:bodyPr vert="horz" lIns="91440" tIns="45720" rIns="91440" bIns="45720" rtlCol="0">
+            <a:normAutofit fontScale="92500"/>
+          </a:bodyPr>
+          <a:lstStyle>
+            <a:lvl1pPr marL="228600" indent="-228600" algn="l" defTabSz="914400" rtl="0" eaLnBrk="1" latinLnBrk="0" hangingPunct="1">
+              <a:lnSpc>
+                <a:spcPct val="100000"/>
+              </a:lnSpc>
+              <a:spcBef>
+                <a:spcPts val="1000"/>
+              </a:spcBef>
+              <a:buFont typeface="Arial"/>
+              <a:buChar char="•"/>
+              <a:defRPr sz="2400" kern="1200" baseline="0">
+                <a:solidFill>
+                  <a:schemeClr val="tx1"/>
+                </a:solidFill>
+                <a:latin typeface="Arial" charset="0"/>
+                <a:ea typeface="+mn-ea"/>
+                <a:cs typeface="+mn-cs"/>
+              </a:defRPr>
+            </a:lvl1pPr>
+            <a:lvl2pPr marL="685800" indent="-228600" algn="l" defTabSz="914400" rtl="0" eaLnBrk="1" latinLnBrk="0" hangingPunct="1">
+              <a:lnSpc>
+                <a:spcPct val="100000"/>
+              </a:lnSpc>
+              <a:spcBef>
+                <a:spcPts val="500"/>
+              </a:spcBef>
+              <a:buFont typeface="Arial"/>
+              <a:buChar char="•"/>
+              <a:defRPr sz="2400" kern="1200" baseline="0">
+                <a:solidFill>
+                  <a:schemeClr val="tx1"/>
+                </a:solidFill>
+                <a:latin typeface="Arial" charset="0"/>
+                <a:ea typeface="+mn-ea"/>
+                <a:cs typeface="+mn-cs"/>
+              </a:defRPr>
+            </a:lvl2pPr>
+            <a:lvl3pPr marL="1143000" indent="-228600" algn="l" defTabSz="914400" rtl="0" eaLnBrk="1" latinLnBrk="0" hangingPunct="1">
+              <a:lnSpc>
+                <a:spcPct val="100000"/>
+              </a:lnSpc>
+              <a:spcBef>
+                <a:spcPts val="500"/>
+              </a:spcBef>
+              <a:buFont typeface="Arial"/>
+              <a:buChar char="•"/>
+              <a:defRPr sz="2000" kern="1200" baseline="0">
+                <a:solidFill>
+                  <a:schemeClr val="tx1"/>
+                </a:solidFill>
+                <a:latin typeface="Arial" charset="0"/>
+                <a:ea typeface="+mn-ea"/>
+                <a:cs typeface="+mn-cs"/>
+              </a:defRPr>
+            </a:lvl3pPr>
+            <a:lvl4pPr marL="1600200" indent="-228600" algn="l" defTabSz="914400" rtl="0" eaLnBrk="1" latinLnBrk="0" hangingPunct="1">
+              <a:lnSpc>
+                <a:spcPct val="100000"/>
+              </a:lnSpc>
+              <a:spcBef>
+                <a:spcPts val="500"/>
+              </a:spcBef>
+              <a:buFont typeface="Arial"/>
+              <a:buChar char="•"/>
+              <a:defRPr sz="1800" kern="1200" baseline="0">
+                <a:solidFill>
+                  <a:schemeClr val="tx1"/>
+                </a:solidFill>
+                <a:latin typeface="Arial" charset="0"/>
+                <a:ea typeface="+mn-ea"/>
+                <a:cs typeface="+mn-cs"/>
+              </a:defRPr>
+            </a:lvl4pPr>
+            <a:lvl5pPr marL="2057400" indent="-228600" algn="l" defTabSz="914400" rtl="0" eaLnBrk="1" latinLnBrk="0" hangingPunct="1">
+              <a:lnSpc>
+                <a:spcPct val="100000"/>
+              </a:lnSpc>
+              <a:spcBef>
+                <a:spcPts val="500"/>
+              </a:spcBef>
+              <a:buFont typeface="Arial"/>
+              <a:buChar char="•"/>
+              <a:defRPr sz="1800" kern="1200" baseline="0">
+                <a:solidFill>
+                  <a:schemeClr val="tx1"/>
+                </a:solidFill>
+                <a:latin typeface="Arial" charset="0"/>
+                <a:ea typeface="+mn-ea"/>
+                <a:cs typeface="+mn-cs"/>
+              </a:defRPr>
+            </a:lvl5pPr>
+            <a:lvl6pPr marL="2514600" indent="-228600" algn="l" defTabSz="914400" rtl="0" eaLnBrk="1" latinLnBrk="0" hangingPunct="1">
+              <a:lnSpc>
+                <a:spcPct val="90000"/>
+              </a:lnSpc>
+              <a:spcBef>
+                <a:spcPts val="500"/>
+              </a:spcBef>
+              <a:buFont typeface="Arial"/>
+              <a:buChar char="•"/>
+              <a:defRPr sz="1800" kern="1200">
+                <a:solidFill>
+                  <a:schemeClr val="tx1"/>
+                </a:solidFill>
+                <a:latin typeface="+mn-lt"/>
+                <a:ea typeface="+mn-ea"/>
+                <a:cs typeface="+mn-cs"/>
+              </a:defRPr>
+            </a:lvl6pPr>
+            <a:lvl7pPr marL="2971800" indent="-228600" algn="l" defTabSz="914400" rtl="0" eaLnBrk="1" latinLnBrk="0" hangingPunct="1">
+              <a:lnSpc>
+                <a:spcPct val="90000"/>
+              </a:lnSpc>
+              <a:spcBef>
+                <a:spcPts val="500"/>
+              </a:spcBef>
+              <a:buFont typeface="Arial"/>
+              <a:buChar char="•"/>
+              <a:defRPr sz="1800" kern="1200">
+                <a:solidFill>
+                  <a:schemeClr val="tx1"/>
+                </a:solidFill>
+                <a:latin typeface="+mn-lt"/>
+                <a:ea typeface="+mn-ea"/>
+                <a:cs typeface="+mn-cs"/>
+              </a:defRPr>
+            </a:lvl7pPr>
+            <a:lvl8pPr marL="3429000" indent="-228600" algn="l" defTabSz="914400" rtl="0" eaLnBrk="1" latinLnBrk="0" hangingPunct="1">
+              <a:lnSpc>
+                <a:spcPct val="90000"/>
+              </a:lnSpc>
+              <a:spcBef>
+                <a:spcPts val="500"/>
+              </a:spcBef>
+              <a:buFont typeface="Arial"/>
+              <a:buChar char="•"/>
+              <a:defRPr sz="1800" kern="1200">
+                <a:solidFill>
+                  <a:schemeClr val="tx1"/>
+                </a:solidFill>
+                <a:latin typeface="+mn-lt"/>
+                <a:ea typeface="+mn-ea"/>
+                <a:cs typeface="+mn-cs"/>
+              </a:defRPr>
+            </a:lvl8pPr>
+            <a:lvl9pPr marL="3886200" indent="-228600" algn="l" defTabSz="914400" rtl="0" eaLnBrk="1" latinLnBrk="0" hangingPunct="1">
+              <a:lnSpc>
+                <a:spcPct val="90000"/>
+              </a:lnSpc>
+              <a:spcBef>
+                <a:spcPts val="500"/>
+              </a:spcBef>
+              <a:buFont typeface="Arial"/>
+              <a:buChar char="•"/>
+              <a:defRPr sz="1800" kern="1200">
+                <a:solidFill>
+                  <a:schemeClr val="tx1"/>
+                </a:solidFill>
+                <a:latin typeface="+mn-lt"/>
+                <a:ea typeface="+mn-ea"/>
+                <a:cs typeface="+mn-cs"/>
+              </a:defRPr>
+            </a:lvl9pPr>
+          </a:lstStyle>
+          <a:p>
+            <a:pPr marL="0" indent="0">
+              <a:buFont typeface="Arial"/>
+              <a:buNone/>
+            </a:pPr>
+            <a:r>
+              <a:rPr lang="nl-BE" dirty="0"/>
+              <a:t>Follow NYC Cab </a:t>
+            </a:r>
+            <a:r>
+              <a:rPr lang="nl-BE" dirty="0" err="1"/>
+              <a:t>for</a:t>
+            </a:r>
+            <a:r>
+              <a:rPr lang="nl-BE" dirty="0"/>
+              <a:t> </a:t>
+            </a:r>
+            <a:r>
+              <a:rPr lang="nl-BE" dirty="0" err="1"/>
+              <a:t>one</a:t>
+            </a:r>
+            <a:r>
+              <a:rPr lang="nl-BE" dirty="0"/>
+              <a:t> </a:t>
+            </a:r>
+            <a:r>
+              <a:rPr lang="nl-BE" dirty="0" err="1"/>
+              <a:t>day</a:t>
+            </a:r>
+            <a:endParaRPr lang="nl-BE" dirty="0"/>
+          </a:p>
+          <a:p>
+            <a:pPr marL="0" indent="0">
+              <a:buFont typeface="Arial"/>
+              <a:buNone/>
+            </a:pPr>
+            <a:endParaRPr lang="nl-BE" dirty="0"/>
+          </a:p>
+        </p:txBody>
+      </p:sp>
+      <p:pic>
+        <p:nvPicPr>
+          <p:cNvPr id="2" name="Afbeelding 1">
+            <a:extLst>
+              <a:ext uri="{FF2B5EF4-FFF2-40B4-BE49-F238E27FC236}">
+                <a16:creationId xmlns:a16="http://schemas.microsoft.com/office/drawing/2014/main" id="{A207BCA8-F050-411E-B1A3-736F18D8E9C6}"/>
+              </a:ext>
+            </a:extLst>
+          </p:cNvPr>
+          <p:cNvPicPr>
+            <a:picLocks noChangeAspect="1"/>
+          </p:cNvPicPr>
+          <p:nvPr/>
+        </p:nvPicPr>
+        <p:blipFill>
+          <a:blip r:embed="rId4"/>
+          <a:stretch>
+            <a:fillRect/>
+          </a:stretch>
+        </p:blipFill>
+        <p:spPr>
+          <a:xfrm>
+            <a:off x="4323805" y="2326920"/>
+            <a:ext cx="3721444" cy="1755947"/>
+          </a:xfrm>
+          <a:prstGeom prst="rect">
+            <a:avLst/>
+          </a:prstGeom>
+        </p:spPr>
+      </p:pic>
+      <p:sp>
+        <p:nvSpPr>
+          <p:cNvPr id="12" name="Rectangle 7">
+            <a:extLst>
+              <a:ext uri="{FF2B5EF4-FFF2-40B4-BE49-F238E27FC236}">
+                <a16:creationId xmlns:a16="http://schemas.microsoft.com/office/drawing/2014/main" id="{9BF488D9-9999-435D-8588-51A076F6B39E}"/>
+              </a:ext>
+            </a:extLst>
+          </p:cNvPr>
+          <p:cNvSpPr/>
+          <p:nvPr/>
+        </p:nvSpPr>
+        <p:spPr>
+          <a:xfrm>
+            <a:off x="4853945" y="4168127"/>
+            <a:ext cx="2661163" cy="276999"/>
+          </a:xfrm>
+          <a:prstGeom prst="rect">
+            <a:avLst/>
+          </a:prstGeom>
+        </p:spPr>
+        <p:txBody>
+          <a:bodyPr wrap="square">
+            <a:spAutoFit/>
+          </a:bodyPr>
+          <a:lstStyle/>
+          <a:p>
+            <a:r>
+              <a:rPr lang="en-US" sz="1200" dirty="0"/>
+              <a:t>http://chriswhong.github.io/nyctaxi/</a:t>
+            </a:r>
+          </a:p>
+        </p:txBody>
+      </p:sp>
+      <p:sp>
+        <p:nvSpPr>
+          <p:cNvPr id="13" name="Tekstvak 12">
+            <a:extLst>
+              <a:ext uri="{FF2B5EF4-FFF2-40B4-BE49-F238E27FC236}">
+                <a16:creationId xmlns:a16="http://schemas.microsoft.com/office/drawing/2014/main" id="{BC6A726A-0B91-4011-A610-41E293CDC8DD}"/>
+              </a:ext>
+            </a:extLst>
+          </p:cNvPr>
+          <p:cNvSpPr txBox="1"/>
+          <p:nvPr/>
+        </p:nvSpPr>
+        <p:spPr>
+          <a:xfrm>
+            <a:off x="4444306" y="4625526"/>
+            <a:ext cx="3480440" cy="646331"/>
+          </a:xfrm>
+          <a:prstGeom prst="rect">
+            <a:avLst/>
+          </a:prstGeom>
+          <a:noFill/>
+        </p:spPr>
+        <p:txBody>
+          <a:bodyPr wrap="square" rtlCol="0">
+            <a:spAutoFit/>
+          </a:bodyPr>
+          <a:lstStyle/>
+          <a:p>
+            <a:pPr algn="ctr"/>
+            <a:r>
+              <a:rPr lang="nl-BE" dirty="0" err="1"/>
+              <a:t>Highlighting</a:t>
+            </a:r>
+            <a:r>
+              <a:rPr lang="nl-BE" dirty="0"/>
+              <a:t> few </a:t>
+            </a:r>
+            <a:r>
+              <a:rPr lang="nl-BE" dirty="0" err="1"/>
+              <a:t>from</a:t>
+            </a:r>
+            <a:r>
+              <a:rPr lang="nl-BE" dirty="0"/>
+              <a:t> </a:t>
+            </a:r>
+            <a:r>
+              <a:rPr lang="nl-BE" dirty="0" err="1"/>
+              <a:t>the</a:t>
+            </a:r>
+            <a:r>
+              <a:rPr lang="nl-BE" dirty="0"/>
+              <a:t> </a:t>
+            </a:r>
+            <a:r>
+              <a:rPr lang="nl-BE" dirty="0" err="1"/>
+              <a:t>many</a:t>
+            </a:r>
+            <a:r>
+              <a:rPr lang="nl-BE" dirty="0"/>
+              <a:t> </a:t>
+            </a:r>
+          </a:p>
+          <a:p>
+            <a:pPr algn="ctr"/>
+            <a:r>
+              <a:rPr lang="nl-BE" dirty="0" err="1"/>
+              <a:t>can</a:t>
+            </a:r>
+            <a:r>
+              <a:rPr lang="nl-BE" dirty="0"/>
+              <a:t> </a:t>
+            </a:r>
+            <a:r>
+              <a:rPr lang="nl-BE" dirty="0" err="1"/>
+              <a:t>be</a:t>
+            </a:r>
+            <a:r>
+              <a:rPr lang="nl-BE" dirty="0"/>
+              <a:t> </a:t>
+            </a:r>
+            <a:r>
+              <a:rPr lang="nl-BE" dirty="0" err="1"/>
+              <a:t>very</a:t>
+            </a:r>
+            <a:r>
+              <a:rPr lang="nl-BE" dirty="0"/>
+              <a:t> interesting.</a:t>
             </a:r>
           </a:p>
         </p:txBody>
@@ -6233,35 +6948,6 @@
           </a:p>
         </p:txBody>
       </p:sp>
-      <p:pic>
-        <p:nvPicPr>
-          <p:cNvPr id="10" name="Content Placeholder 9">
-            <a:extLst>
-              <a:ext uri="{FF2B5EF4-FFF2-40B4-BE49-F238E27FC236}">
-                <a16:creationId xmlns:a16="http://schemas.microsoft.com/office/drawing/2014/main" id="{D1640C61-BBE3-BC43-8827-1297A0B097A9}"/>
-              </a:ext>
-            </a:extLst>
-          </p:cNvPr>
-          <p:cNvPicPr>
-            <a:picLocks noGrp="1" noChangeAspect="1"/>
-          </p:cNvPicPr>
-          <p:nvPr>
-            <p:ph idx="1"/>
-          </p:nvPr>
-        </p:nvPicPr>
-        <p:blipFill>
-          <a:blip r:embed="rId2"/>
-          <a:stretch>
-            <a:fillRect/>
-          </a:stretch>
-        </p:blipFill>
-        <p:spPr>
-          <a:xfrm>
-            <a:off x="576000" y="2617076"/>
-            <a:ext cx="3513389" cy="2635042"/>
-          </a:xfrm>
-        </p:spPr>
-      </p:pic>
       <p:sp>
         <p:nvSpPr>
           <p:cNvPr id="6" name="Rectangle 5">
@@ -6298,6 +6984,442 @@
             <a:r>
               <a:rPr lang="en-US" sz="2400" dirty="0"/>
               <a:t>What design decisions did you make? Based on what reasoning?</a:t>
+            </a:r>
+          </a:p>
+        </p:txBody>
+      </p:sp>
+      <p:sp>
+        <p:nvSpPr>
+          <p:cNvPr id="7" name="Tijdelijke aanduiding voor inhoud 6">
+            <a:extLst>
+              <a:ext uri="{FF2B5EF4-FFF2-40B4-BE49-F238E27FC236}">
+                <a16:creationId xmlns:a16="http://schemas.microsoft.com/office/drawing/2014/main" id="{EC6CE733-DFCD-4EAD-8AA2-A58E5767DBD4}"/>
+              </a:ext>
+            </a:extLst>
+          </p:cNvPr>
+          <p:cNvSpPr>
+            <a:spLocks noGrp="1"/>
+          </p:cNvSpPr>
+          <p:nvPr>
+            <p:ph idx="1"/>
+          </p:nvPr>
+        </p:nvSpPr>
+        <p:spPr>
+          <a:xfrm>
+            <a:off x="1295615" y="2565647"/>
+            <a:ext cx="1439231" cy="435006"/>
+          </a:xfrm>
+        </p:spPr>
+        <p:txBody>
+          <a:bodyPr>
+            <a:normAutofit lnSpcReduction="10000"/>
+          </a:bodyPr>
+          <a:lstStyle/>
+          <a:p>
+            <a:pPr marL="0" indent="0">
+              <a:buNone/>
+            </a:pPr>
+            <a:r>
+              <a:rPr lang="nl-BE" dirty="0" err="1"/>
+              <a:t>Heatmap</a:t>
+            </a:r>
+            <a:endParaRPr lang="nl-BE" dirty="0"/>
+          </a:p>
+        </p:txBody>
+      </p:sp>
+      <p:pic>
+        <p:nvPicPr>
+          <p:cNvPr id="8" name="Afbeelding 7">
+            <a:extLst>
+              <a:ext uri="{FF2B5EF4-FFF2-40B4-BE49-F238E27FC236}">
+                <a16:creationId xmlns:a16="http://schemas.microsoft.com/office/drawing/2014/main" id="{EDDA7AEC-1B70-4D8D-82E2-2782672FC429}"/>
+              </a:ext>
+            </a:extLst>
+          </p:cNvPr>
+          <p:cNvPicPr>
+            <a:picLocks noChangeAspect="1"/>
+          </p:cNvPicPr>
+          <p:nvPr/>
+        </p:nvPicPr>
+        <p:blipFill>
+          <a:blip r:embed="rId3"/>
+          <a:stretch>
+            <a:fillRect/>
+          </a:stretch>
+        </p:blipFill>
+        <p:spPr>
+          <a:xfrm>
+            <a:off x="576000" y="3000653"/>
+            <a:ext cx="2950563" cy="1766518"/>
+          </a:xfrm>
+          <a:prstGeom prst="rect">
+            <a:avLst/>
+          </a:prstGeom>
+        </p:spPr>
+      </p:pic>
+      <p:sp>
+        <p:nvSpPr>
+          <p:cNvPr id="9" name="Tekstvak 8">
+            <a:extLst>
+              <a:ext uri="{FF2B5EF4-FFF2-40B4-BE49-F238E27FC236}">
+                <a16:creationId xmlns:a16="http://schemas.microsoft.com/office/drawing/2014/main" id="{DA5B4839-8514-4CFD-9425-197D205DF99F}"/>
+              </a:ext>
+            </a:extLst>
+          </p:cNvPr>
+          <p:cNvSpPr txBox="1"/>
+          <p:nvPr/>
+        </p:nvSpPr>
+        <p:spPr>
+          <a:xfrm>
+            <a:off x="625249" y="4904005"/>
+            <a:ext cx="2852063" cy="369332"/>
+          </a:xfrm>
+          <a:prstGeom prst="rect">
+            <a:avLst/>
+          </a:prstGeom>
+          <a:noFill/>
+        </p:spPr>
+        <p:txBody>
+          <a:bodyPr wrap="none" rtlCol="0">
+            <a:spAutoFit/>
+          </a:bodyPr>
+          <a:lstStyle/>
+          <a:p>
+            <a:r>
+              <a:rPr lang="nl-BE" dirty="0" err="1"/>
+              <a:t>Gain</a:t>
+            </a:r>
+            <a:r>
+              <a:rPr lang="nl-BE" dirty="0"/>
+              <a:t> </a:t>
+            </a:r>
+            <a:r>
+              <a:rPr lang="nl-BE" dirty="0" err="1"/>
+              <a:t>insight</a:t>
+            </a:r>
+            <a:r>
+              <a:rPr lang="nl-BE" dirty="0"/>
+              <a:t> </a:t>
+            </a:r>
+            <a:r>
+              <a:rPr lang="nl-BE" dirty="0" err="1"/>
+              <a:t>into</a:t>
+            </a:r>
+            <a:r>
+              <a:rPr lang="nl-BE" dirty="0"/>
+              <a:t> </a:t>
+            </a:r>
+            <a:r>
+              <a:rPr lang="nl-BE" dirty="0" err="1"/>
+              <a:t>the</a:t>
+            </a:r>
+            <a:r>
+              <a:rPr lang="nl-BE" dirty="0"/>
+              <a:t> </a:t>
+            </a:r>
+            <a:r>
+              <a:rPr lang="nl-BE" dirty="0" err="1"/>
+              <a:t>many</a:t>
+            </a:r>
+            <a:endParaRPr lang="nl-BE" dirty="0"/>
+          </a:p>
+        </p:txBody>
+      </p:sp>
+      <p:pic>
+        <p:nvPicPr>
+          <p:cNvPr id="11" name="Afbeelding 10">
+            <a:extLst>
+              <a:ext uri="{FF2B5EF4-FFF2-40B4-BE49-F238E27FC236}">
+                <a16:creationId xmlns:a16="http://schemas.microsoft.com/office/drawing/2014/main" id="{01086376-87B3-4FA9-B589-5388965B8515}"/>
+              </a:ext>
+            </a:extLst>
+          </p:cNvPr>
+          <p:cNvPicPr>
+            <a:picLocks noChangeAspect="1"/>
+          </p:cNvPicPr>
+          <p:nvPr/>
+        </p:nvPicPr>
+        <p:blipFill rotWithShape="1">
+          <a:blip r:embed="rId4"/>
+          <a:srcRect b="27790"/>
+          <a:stretch/>
+        </p:blipFill>
+        <p:spPr>
+          <a:xfrm>
+            <a:off x="4457333" y="3000653"/>
+            <a:ext cx="3220152" cy="1816759"/>
+          </a:xfrm>
+          <a:prstGeom prst="rect">
+            <a:avLst/>
+          </a:prstGeom>
+        </p:spPr>
+      </p:pic>
+      <p:sp>
+        <p:nvSpPr>
+          <p:cNvPr id="12" name="Tijdelijke aanduiding voor inhoud 6">
+            <a:extLst>
+              <a:ext uri="{FF2B5EF4-FFF2-40B4-BE49-F238E27FC236}">
+                <a16:creationId xmlns:a16="http://schemas.microsoft.com/office/drawing/2014/main" id="{FE0CFAEE-AA5F-43A5-B0A7-ED7CF3735B8C}"/>
+              </a:ext>
+            </a:extLst>
+          </p:cNvPr>
+          <p:cNvSpPr txBox="1">
+            <a:spLocks/>
+          </p:cNvSpPr>
+          <p:nvPr/>
+        </p:nvSpPr>
+        <p:spPr>
+          <a:xfrm>
+            <a:off x="4457333" y="2584362"/>
+            <a:ext cx="3346139" cy="435006"/>
+          </a:xfrm>
+          <a:prstGeom prst="rect">
+            <a:avLst/>
+          </a:prstGeom>
+        </p:spPr>
+        <p:txBody>
+          <a:bodyPr vert="horz" lIns="91440" tIns="45720" rIns="91440" bIns="45720" rtlCol="0">
+            <a:normAutofit lnSpcReduction="10000"/>
+          </a:bodyPr>
+          <a:lstStyle>
+            <a:lvl1pPr marL="228600" indent="-228600" algn="l" defTabSz="914400" rtl="0" eaLnBrk="1" latinLnBrk="0" hangingPunct="1">
+              <a:lnSpc>
+                <a:spcPct val="100000"/>
+              </a:lnSpc>
+              <a:spcBef>
+                <a:spcPts val="1000"/>
+              </a:spcBef>
+              <a:buFont typeface="Arial"/>
+              <a:buChar char="•"/>
+              <a:defRPr sz="2400" kern="1200" baseline="0">
+                <a:solidFill>
+                  <a:schemeClr val="tx1"/>
+                </a:solidFill>
+                <a:latin typeface="Arial" charset="0"/>
+                <a:ea typeface="+mn-ea"/>
+                <a:cs typeface="+mn-cs"/>
+              </a:defRPr>
+            </a:lvl1pPr>
+            <a:lvl2pPr marL="685800" indent="-228600" algn="l" defTabSz="914400" rtl="0" eaLnBrk="1" latinLnBrk="0" hangingPunct="1">
+              <a:lnSpc>
+                <a:spcPct val="100000"/>
+              </a:lnSpc>
+              <a:spcBef>
+                <a:spcPts val="500"/>
+              </a:spcBef>
+              <a:buFont typeface="Arial"/>
+              <a:buChar char="•"/>
+              <a:defRPr sz="2400" kern="1200" baseline="0">
+                <a:solidFill>
+                  <a:schemeClr val="tx1"/>
+                </a:solidFill>
+                <a:latin typeface="Arial" charset="0"/>
+                <a:ea typeface="+mn-ea"/>
+                <a:cs typeface="+mn-cs"/>
+              </a:defRPr>
+            </a:lvl2pPr>
+            <a:lvl3pPr marL="1143000" indent="-228600" algn="l" defTabSz="914400" rtl="0" eaLnBrk="1" latinLnBrk="0" hangingPunct="1">
+              <a:lnSpc>
+                <a:spcPct val="100000"/>
+              </a:lnSpc>
+              <a:spcBef>
+                <a:spcPts val="500"/>
+              </a:spcBef>
+              <a:buFont typeface="Arial"/>
+              <a:buChar char="•"/>
+              <a:defRPr sz="2000" kern="1200" baseline="0">
+                <a:solidFill>
+                  <a:schemeClr val="tx1"/>
+                </a:solidFill>
+                <a:latin typeface="Arial" charset="0"/>
+                <a:ea typeface="+mn-ea"/>
+                <a:cs typeface="+mn-cs"/>
+              </a:defRPr>
+            </a:lvl3pPr>
+            <a:lvl4pPr marL="1600200" indent="-228600" algn="l" defTabSz="914400" rtl="0" eaLnBrk="1" latinLnBrk="0" hangingPunct="1">
+              <a:lnSpc>
+                <a:spcPct val="100000"/>
+              </a:lnSpc>
+              <a:spcBef>
+                <a:spcPts val="500"/>
+              </a:spcBef>
+              <a:buFont typeface="Arial"/>
+              <a:buChar char="•"/>
+              <a:defRPr sz="1800" kern="1200" baseline="0">
+                <a:solidFill>
+                  <a:schemeClr val="tx1"/>
+                </a:solidFill>
+                <a:latin typeface="Arial" charset="0"/>
+                <a:ea typeface="+mn-ea"/>
+                <a:cs typeface="+mn-cs"/>
+              </a:defRPr>
+            </a:lvl4pPr>
+            <a:lvl5pPr marL="2057400" indent="-228600" algn="l" defTabSz="914400" rtl="0" eaLnBrk="1" latinLnBrk="0" hangingPunct="1">
+              <a:lnSpc>
+                <a:spcPct val="100000"/>
+              </a:lnSpc>
+              <a:spcBef>
+                <a:spcPts val="500"/>
+              </a:spcBef>
+              <a:buFont typeface="Arial"/>
+              <a:buChar char="•"/>
+              <a:defRPr sz="1800" kern="1200" baseline="0">
+                <a:solidFill>
+                  <a:schemeClr val="tx1"/>
+                </a:solidFill>
+                <a:latin typeface="Arial" charset="0"/>
+                <a:ea typeface="+mn-ea"/>
+                <a:cs typeface="+mn-cs"/>
+              </a:defRPr>
+            </a:lvl5pPr>
+            <a:lvl6pPr marL="2514600" indent="-228600" algn="l" defTabSz="914400" rtl="0" eaLnBrk="1" latinLnBrk="0" hangingPunct="1">
+              <a:lnSpc>
+                <a:spcPct val="90000"/>
+              </a:lnSpc>
+              <a:spcBef>
+                <a:spcPts val="500"/>
+              </a:spcBef>
+              <a:buFont typeface="Arial"/>
+              <a:buChar char="•"/>
+              <a:defRPr sz="1800" kern="1200">
+                <a:solidFill>
+                  <a:schemeClr val="tx1"/>
+                </a:solidFill>
+                <a:latin typeface="+mn-lt"/>
+                <a:ea typeface="+mn-ea"/>
+                <a:cs typeface="+mn-cs"/>
+              </a:defRPr>
+            </a:lvl6pPr>
+            <a:lvl7pPr marL="2971800" indent="-228600" algn="l" defTabSz="914400" rtl="0" eaLnBrk="1" latinLnBrk="0" hangingPunct="1">
+              <a:lnSpc>
+                <a:spcPct val="90000"/>
+              </a:lnSpc>
+              <a:spcBef>
+                <a:spcPts val="500"/>
+              </a:spcBef>
+              <a:buFont typeface="Arial"/>
+              <a:buChar char="•"/>
+              <a:defRPr sz="1800" kern="1200">
+                <a:solidFill>
+                  <a:schemeClr val="tx1"/>
+                </a:solidFill>
+                <a:latin typeface="+mn-lt"/>
+                <a:ea typeface="+mn-ea"/>
+                <a:cs typeface="+mn-cs"/>
+              </a:defRPr>
+            </a:lvl7pPr>
+            <a:lvl8pPr marL="3429000" indent="-228600" algn="l" defTabSz="914400" rtl="0" eaLnBrk="1" latinLnBrk="0" hangingPunct="1">
+              <a:lnSpc>
+                <a:spcPct val="90000"/>
+              </a:lnSpc>
+              <a:spcBef>
+                <a:spcPts val="500"/>
+              </a:spcBef>
+              <a:buFont typeface="Arial"/>
+              <a:buChar char="•"/>
+              <a:defRPr sz="1800" kern="1200">
+                <a:solidFill>
+                  <a:schemeClr val="tx1"/>
+                </a:solidFill>
+                <a:latin typeface="+mn-lt"/>
+                <a:ea typeface="+mn-ea"/>
+                <a:cs typeface="+mn-cs"/>
+              </a:defRPr>
+            </a:lvl8pPr>
+            <a:lvl9pPr marL="3886200" indent="-228600" algn="l" defTabSz="914400" rtl="0" eaLnBrk="1" latinLnBrk="0" hangingPunct="1">
+              <a:lnSpc>
+                <a:spcPct val="90000"/>
+              </a:lnSpc>
+              <a:spcBef>
+                <a:spcPts val="500"/>
+              </a:spcBef>
+              <a:buFont typeface="Arial"/>
+              <a:buChar char="•"/>
+              <a:defRPr sz="1800" kern="1200">
+                <a:solidFill>
+                  <a:schemeClr val="tx1"/>
+                </a:solidFill>
+                <a:latin typeface="+mn-lt"/>
+                <a:ea typeface="+mn-ea"/>
+                <a:cs typeface="+mn-cs"/>
+              </a:defRPr>
+            </a:lvl9pPr>
+          </a:lstStyle>
+          <a:p>
+            <a:pPr marL="0" indent="0">
+              <a:buFont typeface="Arial"/>
+              <a:buNone/>
+            </a:pPr>
+            <a:r>
+              <a:rPr lang="nl-BE" dirty="0" err="1"/>
+              <a:t>Individual</a:t>
+            </a:r>
+            <a:r>
+              <a:rPr lang="nl-BE" dirty="0"/>
+              <a:t> Routes</a:t>
+            </a:r>
+          </a:p>
+        </p:txBody>
+      </p:sp>
+      <p:sp>
+        <p:nvSpPr>
+          <p:cNvPr id="13" name="Tekstvak 12">
+            <a:extLst>
+              <a:ext uri="{FF2B5EF4-FFF2-40B4-BE49-F238E27FC236}">
+                <a16:creationId xmlns:a16="http://schemas.microsoft.com/office/drawing/2014/main" id="{8FA940B0-BA38-4206-B899-5CE6F9D74942}"/>
+              </a:ext>
+            </a:extLst>
+          </p:cNvPr>
+          <p:cNvSpPr txBox="1"/>
+          <p:nvPr/>
+        </p:nvSpPr>
+        <p:spPr>
+          <a:xfrm>
+            <a:off x="4772561" y="4900138"/>
+            <a:ext cx="2646878" cy="369332"/>
+          </a:xfrm>
+          <a:prstGeom prst="rect">
+            <a:avLst/>
+          </a:prstGeom>
+          <a:noFill/>
+        </p:spPr>
+        <p:txBody>
+          <a:bodyPr wrap="none" rtlCol="0">
+            <a:spAutoFit/>
+          </a:bodyPr>
+          <a:lstStyle/>
+          <a:p>
+            <a:r>
+              <a:rPr lang="nl-BE" dirty="0" err="1"/>
+              <a:t>Gain</a:t>
+            </a:r>
+            <a:r>
+              <a:rPr lang="nl-BE" dirty="0"/>
+              <a:t> </a:t>
+            </a:r>
+            <a:r>
+              <a:rPr lang="nl-BE" dirty="0" err="1"/>
+              <a:t>insight</a:t>
+            </a:r>
+            <a:r>
+              <a:rPr lang="nl-BE" dirty="0"/>
+              <a:t> </a:t>
+            </a:r>
+            <a:r>
+              <a:rPr lang="nl-BE" dirty="0" err="1"/>
+              <a:t>into</a:t>
+            </a:r>
+            <a:r>
+              <a:rPr lang="nl-BE" dirty="0"/>
+              <a:t> </a:t>
+            </a:r>
+            <a:r>
+              <a:rPr lang="nl-BE" dirty="0" err="1"/>
+              <a:t>the</a:t>
+            </a:r>
+            <a:r>
+              <a:rPr lang="nl-BE" dirty="0"/>
+              <a:t> few</a:t>
             </a:r>
           </a:p>
         </p:txBody>
@@ -6957,7 +8079,7 @@
           <a:p>
             <a:r>
               <a:rPr lang="en-US" dirty="0">
-                <a:hlinkClick r:id="rId2"/>
+                <a:hlinkClick r:id="rId3"/>
               </a:rPr>
               <a:t>http://iv.kul/acopy.html</a:t>
             </a:r>
